--- a/COMP270/04/2020-21-COMP270-04-lecture-materials.pptx
+++ b/COMP270/04/2020-21-COMP270-04-lecture-materials.pptx
@@ -7,37 +7,36 @@
   <p:sldIdLst>
     <p:sldId id="256" r:id="rId2"/>
     <p:sldId id="265" r:id="rId3"/>
-    <p:sldId id="269" r:id="rId4"/>
-    <p:sldId id="358" r:id="rId5"/>
-    <p:sldId id="359" r:id="rId6"/>
-    <p:sldId id="360" r:id="rId7"/>
-    <p:sldId id="357" r:id="rId8"/>
-    <p:sldId id="333" r:id="rId9"/>
-    <p:sldId id="334" r:id="rId10"/>
-    <p:sldId id="335" r:id="rId11"/>
-    <p:sldId id="336" r:id="rId12"/>
-    <p:sldId id="337" r:id="rId13"/>
-    <p:sldId id="338" r:id="rId14"/>
-    <p:sldId id="339" r:id="rId15"/>
-    <p:sldId id="340" r:id="rId16"/>
-    <p:sldId id="343" r:id="rId17"/>
-    <p:sldId id="341" r:id="rId18"/>
-    <p:sldId id="342" r:id="rId19"/>
-    <p:sldId id="344" r:id="rId20"/>
-    <p:sldId id="345" r:id="rId21"/>
-    <p:sldId id="346" r:id="rId22"/>
-    <p:sldId id="347" r:id="rId23"/>
-    <p:sldId id="348" r:id="rId24"/>
-    <p:sldId id="349" r:id="rId25"/>
-    <p:sldId id="350" r:id="rId26"/>
-    <p:sldId id="351" r:id="rId27"/>
-    <p:sldId id="352" r:id="rId28"/>
-    <p:sldId id="353" r:id="rId29"/>
-    <p:sldId id="354" r:id="rId30"/>
-    <p:sldId id="355" r:id="rId31"/>
-    <p:sldId id="356" r:id="rId32"/>
-    <p:sldId id="361" r:id="rId33"/>
-    <p:sldId id="362" r:id="rId34"/>
+    <p:sldId id="358" r:id="rId4"/>
+    <p:sldId id="359" r:id="rId5"/>
+    <p:sldId id="360" r:id="rId6"/>
+    <p:sldId id="357" r:id="rId7"/>
+    <p:sldId id="333" r:id="rId8"/>
+    <p:sldId id="334" r:id="rId9"/>
+    <p:sldId id="335" r:id="rId10"/>
+    <p:sldId id="336" r:id="rId11"/>
+    <p:sldId id="337" r:id="rId12"/>
+    <p:sldId id="338" r:id="rId13"/>
+    <p:sldId id="339" r:id="rId14"/>
+    <p:sldId id="340" r:id="rId15"/>
+    <p:sldId id="343" r:id="rId16"/>
+    <p:sldId id="341" r:id="rId17"/>
+    <p:sldId id="342" r:id="rId18"/>
+    <p:sldId id="344" r:id="rId19"/>
+    <p:sldId id="345" r:id="rId20"/>
+    <p:sldId id="346" r:id="rId21"/>
+    <p:sldId id="347" r:id="rId22"/>
+    <p:sldId id="348" r:id="rId23"/>
+    <p:sldId id="349" r:id="rId24"/>
+    <p:sldId id="350" r:id="rId25"/>
+    <p:sldId id="351" r:id="rId26"/>
+    <p:sldId id="352" r:id="rId27"/>
+    <p:sldId id="353" r:id="rId28"/>
+    <p:sldId id="354" r:id="rId29"/>
+    <p:sldId id="355" r:id="rId30"/>
+    <p:sldId id="356" r:id="rId31"/>
+    <p:sldId id="361" r:id="rId32"/>
+    <p:sldId id="362" r:id="rId33"/>
   </p:sldIdLst>
   <p:sldSz cx="12192000" cy="6858000"/>
   <p:notesSz cx="6858000" cy="9144000"/>
@@ -143,7 +142,6 @@
           <p14:sldIdLst>
             <p14:sldId id="256"/>
             <p14:sldId id="265"/>
-            <p14:sldId id="269"/>
             <p14:sldId id="358"/>
             <p14:sldId id="359"/>
             <p14:sldId id="360"/>
@@ -429,7 +427,7 @@
           <a:p>
             <a:fld id="{9184DA70-C731-4C70-880D-CCD4705E623C}" type="datetime1">
               <a:rPr lang="en-US" smtClean="0"/>
-              <a:t>10/13/2019</a:t>
+              <a:t>7/30/2020</a:t>
             </a:fld>
             <a:endParaRPr lang="en-US" dirty="0"/>
           </a:p>
@@ -617,7 +615,7 @@
           <a:p>
             <a:fld id="{B612A279-0833-481D-8C56-F67FD0AC6C50}" type="datetime1">
               <a:rPr lang="en-US" smtClean="0"/>
-              <a:t>10/13/2019</a:t>
+              <a:t>7/30/2020</a:t>
             </a:fld>
             <a:endParaRPr lang="en-US" dirty="0"/>
           </a:p>
@@ -859,7 +857,7 @@
           <a:p>
             <a:fld id="{6587DA83-5663-4C9C-B9AA-0B40A3DAFF81}" type="datetime1">
               <a:rPr lang="en-US" smtClean="0"/>
-              <a:t>10/13/2019</a:t>
+              <a:t>7/30/2020</a:t>
             </a:fld>
             <a:endParaRPr lang="en-US" dirty="0"/>
           </a:p>
@@ -1168,7 +1166,7 @@
           <a:p>
             <a:fld id="{4BE1D723-8F53-4F53-90B0-1982A396982E}" type="datetime1">
               <a:rPr lang="en-US" smtClean="0"/>
-              <a:t>10/13/2019</a:t>
+              <a:t>7/30/2020</a:t>
             </a:fld>
             <a:endParaRPr lang="en-US" dirty="0"/>
           </a:p>
@@ -1541,7 +1539,7 @@
           <a:p>
             <a:fld id="{97669AF7-7BEB-44E4-9852-375E34362B5B}" type="datetime1">
               <a:rPr lang="en-US" smtClean="0"/>
-              <a:t>10/13/2019</a:t>
+              <a:t>7/30/2020</a:t>
             </a:fld>
             <a:endParaRPr lang="en-US" dirty="0"/>
           </a:p>
@@ -1796,7 +1794,7 @@
           <a:p>
             <a:fld id="{BAAAC38D-0552-4C82-B593-E6124DFADBE2}" type="datetime1">
               <a:rPr lang="en-US" smtClean="0"/>
-              <a:t>10/13/2019</a:t>
+              <a:t>7/30/2020</a:t>
             </a:fld>
             <a:endParaRPr lang="en-US" dirty="0"/>
           </a:p>
@@ -2193,7 +2191,7 @@
           <a:p>
             <a:fld id="{D9DF0F1C-5577-4ACB-BB62-DF8F3C494C7E}" type="datetime1">
               <a:rPr lang="en-US" smtClean="0"/>
-              <a:t>10/13/2019</a:t>
+              <a:t>7/30/2020</a:t>
             </a:fld>
             <a:endParaRPr lang="en-US" dirty="0"/>
           </a:p>
@@ -2329,7 +2327,7 @@
           <a:p>
             <a:fld id="{1775B394-D9F9-4F0C-B15D-605F45CB9E9F}" type="datetime1">
               <a:rPr lang="en-US" smtClean="0"/>
-              <a:t>10/13/2019</a:t>
+              <a:t>7/30/2020</a:t>
             </a:fld>
             <a:endParaRPr lang="en-US" dirty="0"/>
           </a:p>
@@ -2486,7 +2484,7 @@
           <a:p>
             <a:fld id="{39667345-2558-425A-8533-9BFDBCE15005}" type="datetime1">
               <a:rPr lang="en-US" smtClean="0"/>
-              <a:t>10/13/2019</a:t>
+              <a:t>7/30/2020</a:t>
             </a:fld>
             <a:endParaRPr lang="en-US" dirty="0"/>
           </a:p>
@@ -2815,7 +2813,7 @@
           <a:p>
             <a:fld id="{92BEA474-078D-4E9B-9B14-09A87B19DC46}" type="datetime1">
               <a:rPr lang="en-US" smtClean="0"/>
-              <a:t>10/13/2019</a:t>
+              <a:t>7/30/2020</a:t>
             </a:fld>
             <a:endParaRPr lang="en-US" dirty="0"/>
           </a:p>
@@ -3165,7 +3163,7 @@
           <a:p>
             <a:fld id="{4907D986-8816-4272-A432-0437A28A9828}" type="datetime1">
               <a:rPr lang="en-US" smtClean="0"/>
-              <a:t>10/13/2019</a:t>
+              <a:t>7/30/2020</a:t>
             </a:fld>
             <a:endParaRPr lang="en-US" dirty="0"/>
           </a:p>
@@ -3426,7 +3424,7 @@
           <a:p>
             <a:fld id="{62D6E202-B606-4609-B914-27C9371A1F6D}" type="datetime1">
               <a:rPr lang="en-US" smtClean="0"/>
-              <a:t>10/13/2019</a:t>
+              <a:t>7/30/2020</a:t>
             </a:fld>
             <a:endParaRPr lang="en-US" dirty="0"/>
           </a:p>
@@ -4224,788 +4222,6 @@
           <p:cNvPr id="2" name="Title 1">
             <a:extLst>
               <a:ext uri="{FF2B5EF4-FFF2-40B4-BE49-F238E27FC236}">
-                <a16:creationId xmlns:a16="http://schemas.microsoft.com/office/drawing/2014/main" id="{4F906A3E-89C3-49B0-BC02-6BD26CC2E5DC}"/>
-              </a:ext>
-            </a:extLst>
-          </p:cNvPr>
-          <p:cNvSpPr>
-            <a:spLocks noGrp="1"/>
-          </p:cNvSpPr>
-          <p:nvPr>
-            <p:ph type="title"/>
-          </p:nvPr>
-        </p:nvSpPr>
-        <p:spPr/>
-        <p:txBody>
-          <a:bodyPr/>
-          <a:lstStyle/>
-          <a:p>
-            <a:r>
-              <a:rPr lang="en-GB" dirty="0"/>
-              <a:t>Derivatives: example</a:t>
-            </a:r>
-          </a:p>
-        </p:txBody>
-      </p:sp>
-      <mc:AlternateContent xmlns:mc="http://schemas.openxmlformats.org/markup-compatibility/2006" xmlns:a14="http://schemas.microsoft.com/office/drawing/2010/main">
-        <mc:Choice Requires="a14">
-          <p:sp>
-            <p:nvSpPr>
-              <p:cNvPr id="3" name="Content Placeholder 2">
-                <a:extLst>
-                  <a:ext uri="{FF2B5EF4-FFF2-40B4-BE49-F238E27FC236}">
-                    <a16:creationId xmlns:a16="http://schemas.microsoft.com/office/drawing/2014/main" id="{5EEDF04D-8AFD-4A1E-99E1-78F53854B046}"/>
-                  </a:ext>
-                </a:extLst>
-              </p:cNvPr>
-              <p:cNvSpPr>
-                <a:spLocks noGrp="1"/>
-              </p:cNvSpPr>
-              <p:nvPr>
-                <p:ph idx="1"/>
-              </p:nvPr>
-            </p:nvSpPr>
-            <p:spPr>
-              <a:xfrm>
-                <a:off x="1097280" y="2108201"/>
-                <a:ext cx="10058400" cy="4141597"/>
-              </a:xfrm>
-            </p:spPr>
-            <p:txBody>
-              <a:bodyPr>
-                <a:normAutofit fontScale="92500" lnSpcReduction="20000"/>
-              </a:bodyPr>
-              <a:lstStyle/>
-              <a:p>
-                <a:r>
-                  <a:rPr lang="en-GB" dirty="0"/>
-                  <a:t>A car drives along a straight road at a constant speed</a:t>
-                </a:r>
-              </a:p>
-              <a:p>
-                <a:r>
-                  <a:rPr lang="en-GB" dirty="0"/>
-                  <a:t>In half an hour, it covers a distance of 20 miles</a:t>
-                </a:r>
-              </a:p>
-              <a:p>
-                <a:r>
-                  <a:rPr lang="en-GB" dirty="0"/>
-                  <a:t>Its speed (which we know is constant) is </a:t>
-                </a:r>
-                <a14:m>
-                  <m:oMath xmlns:m="http://schemas.openxmlformats.org/officeDocument/2006/math">
-                    <m:f>
-                      <m:fPr>
-                        <m:ctrlPr>
-                          <a:rPr lang="en-GB" i="1" smtClean="0">
-                            <a:latin typeface="Cambria Math" panose="02040503050406030204" pitchFamily="18" charset="0"/>
-                          </a:rPr>
-                        </m:ctrlPr>
-                      </m:fPr>
-                      <m:num>
-                        <m:r>
-                          <m:rPr>
-                            <m:nor/>
-                          </m:rPr>
-                          <a:rPr lang="en-GB" b="0" i="0" smtClean="0">
-                            <a:latin typeface="Cambria Math" panose="02040503050406030204" pitchFamily="18" charset="0"/>
-                          </a:rPr>
-                          <m:t>20 </m:t>
-                        </m:r>
-                        <m:r>
-                          <m:rPr>
-                            <m:nor/>
-                          </m:rPr>
-                          <a:rPr lang="en-GB" b="0" i="0" smtClean="0">
-                            <a:latin typeface="Cambria Math" panose="02040503050406030204" pitchFamily="18" charset="0"/>
-                          </a:rPr>
-                          <m:t>miles</m:t>
-                        </m:r>
-                      </m:num>
-                      <m:den>
-                        <m:r>
-                          <m:rPr>
-                            <m:nor/>
-                          </m:rPr>
-                          <a:rPr lang="en-GB" b="0" i="0" smtClean="0">
-                            <a:latin typeface="Cambria Math" panose="02040503050406030204" pitchFamily="18" charset="0"/>
-                          </a:rPr>
-                          <m:t>0.5 </m:t>
-                        </m:r>
-                        <m:r>
-                          <m:rPr>
-                            <m:nor/>
-                          </m:rPr>
-                          <a:rPr lang="en-GB" b="0" i="0" smtClean="0">
-                            <a:latin typeface="Cambria Math" panose="02040503050406030204" pitchFamily="18" charset="0"/>
-                          </a:rPr>
-                          <m:t>hours</m:t>
-                        </m:r>
-                      </m:den>
-                    </m:f>
-                    <m:r>
-                      <m:rPr>
-                        <m:nor/>
-                      </m:rPr>
-                      <a:rPr lang="en-GB" b="0" i="0" smtClean="0">
-                        <a:latin typeface="Cambria Math" panose="02040503050406030204" pitchFamily="18" charset="0"/>
-                      </a:rPr>
-                      <m:t> = 40 </m:t>
-                    </m:r>
-                    <m:r>
-                      <m:rPr>
-                        <m:nor/>
-                      </m:rPr>
-                      <a:rPr lang="en-GB" b="0" i="0" smtClean="0">
-                        <a:latin typeface="Cambria Math" panose="02040503050406030204" pitchFamily="18" charset="0"/>
-                      </a:rPr>
-                      <m:t>miles</m:t>
-                    </m:r>
-                    <m:r>
-                      <m:rPr>
-                        <m:nor/>
-                      </m:rPr>
-                      <a:rPr lang="en-GB" b="0" i="0" smtClean="0">
-                        <a:latin typeface="Cambria Math" panose="02040503050406030204" pitchFamily="18" charset="0"/>
-                      </a:rPr>
-                      <m:t> </m:t>
-                    </m:r>
-                    <m:r>
-                      <m:rPr>
-                        <m:nor/>
-                      </m:rPr>
-                      <a:rPr lang="en-GB" b="0" i="0" smtClean="0">
-                        <a:latin typeface="Cambria Math" panose="02040503050406030204" pitchFamily="18" charset="0"/>
-                      </a:rPr>
-                      <m:t>per</m:t>
-                    </m:r>
-                    <m:r>
-                      <m:rPr>
-                        <m:nor/>
-                      </m:rPr>
-                      <a:rPr lang="en-GB" b="0" i="0" smtClean="0">
-                        <a:latin typeface="Cambria Math" panose="02040503050406030204" pitchFamily="18" charset="0"/>
-                      </a:rPr>
-                      <m:t> </m:t>
-                    </m:r>
-                    <m:r>
-                      <m:rPr>
-                        <m:nor/>
-                      </m:rPr>
-                      <a:rPr lang="en-GB" b="0" i="0" smtClean="0">
-                        <a:latin typeface="Cambria Math" panose="02040503050406030204" pitchFamily="18" charset="0"/>
-                      </a:rPr>
-                      <m:t>hour</m:t>
-                    </m:r>
-                  </m:oMath>
-                </a14:m>
-                <a:endParaRPr lang="en-GB" dirty="0"/>
-              </a:p>
-              <a:p>
-                <a:r>
-                  <a:rPr lang="en-GB" dirty="0"/>
-                  <a:t>In other words…</a:t>
-                </a:r>
-              </a:p>
-              <a:p>
-                <a:pPr marL="714375" lvl="1"/>
-                <a:r>
-                  <a:rPr lang="en-GB" dirty="0"/>
-                  <a:t>“Distance travelled” is a quantity varying with time</a:t>
-                </a:r>
-              </a:p>
-              <a:p>
-                <a:pPr marL="714375" lvl="1"/>
-                <a:r>
-                  <a:rPr lang="en-GB" dirty="0"/>
-                  <a:t>We call the rate of change (the derivative) of this quantity “speed”</a:t>
-                </a:r>
-              </a:p>
-              <a:p>
-                <a:pPr marL="714375" lvl="1"/>
-                <a:r>
-                  <a:rPr lang="en-GB" dirty="0"/>
-                  <a:t>If </a:t>
-                </a:r>
-                <a14:m>
-                  <m:oMath xmlns:m="http://schemas.openxmlformats.org/officeDocument/2006/math">
-                    <m:r>
-                      <a:rPr lang="en-GB" b="0" i="1" smtClean="0">
-                        <a:latin typeface="Cambria Math" panose="02040503050406030204" pitchFamily="18" charset="0"/>
-                      </a:rPr>
-                      <m:t>𝑥</m:t>
-                    </m:r>
-                  </m:oMath>
-                </a14:m>
-                <a:r>
-                  <a:rPr lang="en-GB" dirty="0"/>
-                  <a:t> is distance travelled and </a:t>
-                </a:r>
-                <a14:m>
-                  <m:oMath xmlns:m="http://schemas.openxmlformats.org/officeDocument/2006/math">
-                    <m:r>
-                      <a:rPr lang="en-GB" b="0" i="1" smtClean="0">
-                        <a:latin typeface="Cambria Math" panose="02040503050406030204" pitchFamily="18" charset="0"/>
-                      </a:rPr>
-                      <m:t>𝑡</m:t>
-                    </m:r>
-                  </m:oMath>
-                </a14:m>
-                <a:r>
-                  <a:rPr lang="en-GB" dirty="0"/>
-                  <a:t> is time, then</a:t>
-                </a:r>
-                <a:br>
-                  <a:rPr lang="en-GB" dirty="0"/>
-                </a:br>
-                <a:br>
-                  <a:rPr lang="en-GB" dirty="0"/>
-                </a:br>
-                <a14:m>
-                  <m:oMath xmlns:m="http://schemas.openxmlformats.org/officeDocument/2006/math">
-                    <m:f>
-                      <m:fPr>
-                        <m:ctrlPr>
-                          <a:rPr lang="en-GB" i="1" smtClean="0">
-                            <a:latin typeface="Cambria Math" panose="02040503050406030204" pitchFamily="18" charset="0"/>
-                          </a:rPr>
-                        </m:ctrlPr>
-                      </m:fPr>
-                      <m:num>
-                        <m:r>
-                          <m:rPr>
-                            <m:sty m:val="p"/>
-                          </m:rPr>
-                          <a:rPr lang="en-GB" b="0" i="0" smtClean="0">
-                            <a:latin typeface="Cambria Math" panose="02040503050406030204" pitchFamily="18" charset="0"/>
-                          </a:rPr>
-                          <m:t>d</m:t>
-                        </m:r>
-                        <m:r>
-                          <a:rPr lang="en-GB" b="0" i="1" smtClean="0">
-                            <a:latin typeface="Cambria Math" panose="02040503050406030204" pitchFamily="18" charset="0"/>
-                          </a:rPr>
-                          <m:t>𝑥</m:t>
-                        </m:r>
-                      </m:num>
-                      <m:den>
-                        <m:r>
-                          <m:rPr>
-                            <m:sty m:val="p"/>
-                          </m:rPr>
-                          <a:rPr lang="en-GB" b="0" i="0" smtClean="0">
-                            <a:latin typeface="Cambria Math" panose="02040503050406030204" pitchFamily="18" charset="0"/>
-                          </a:rPr>
-                          <m:t>d</m:t>
-                        </m:r>
-                        <m:r>
-                          <a:rPr lang="en-GB" b="0" i="1" smtClean="0">
-                            <a:latin typeface="Cambria Math" panose="02040503050406030204" pitchFamily="18" charset="0"/>
-                          </a:rPr>
-                          <m:t>𝑡</m:t>
-                        </m:r>
-                      </m:den>
-                    </m:f>
-                    <m:r>
-                      <a:rPr lang="en-GB" b="0" i="1" smtClean="0">
-                        <a:latin typeface="Cambria Math" panose="02040503050406030204" pitchFamily="18" charset="0"/>
-                      </a:rPr>
-                      <m:t>=</m:t>
-                    </m:r>
-                    <m:f>
-                      <m:fPr>
-                        <m:ctrlPr>
-                          <a:rPr lang="en-GB" b="0" i="1" smtClean="0">
-                            <a:latin typeface="Cambria Math" panose="02040503050406030204" pitchFamily="18" charset="0"/>
-                          </a:rPr>
-                        </m:ctrlPr>
-                      </m:fPr>
-                      <m:num>
-                        <m:r>
-                          <a:rPr lang="en-GB" b="0" i="1" smtClean="0">
-                            <a:latin typeface="Cambria Math" panose="02040503050406030204" pitchFamily="18" charset="0"/>
-                          </a:rPr>
-                          <m:t>20</m:t>
-                        </m:r>
-                      </m:num>
-                      <m:den>
-                        <m:r>
-                          <a:rPr lang="en-GB" b="0" i="1" smtClean="0">
-                            <a:latin typeface="Cambria Math" panose="02040503050406030204" pitchFamily="18" charset="0"/>
-                          </a:rPr>
-                          <m:t>0.5</m:t>
-                        </m:r>
-                      </m:den>
-                    </m:f>
-                    <m:r>
-                      <a:rPr lang="en-GB" b="0" i="1" smtClean="0">
-                        <a:latin typeface="Cambria Math" panose="02040503050406030204" pitchFamily="18" charset="0"/>
-                      </a:rPr>
-                      <m:t>=40</m:t>
-                    </m:r>
-                  </m:oMath>
-                </a14:m>
-                <a:endParaRPr lang="en-GB" dirty="0"/>
-              </a:p>
-            </p:txBody>
-          </p:sp>
-        </mc:Choice>
-        <mc:Fallback xmlns="">
-          <p:sp>
-            <p:nvSpPr>
-              <p:cNvPr id="3" name="Content Placeholder 2">
-                <a:extLst>
-                  <a:ext uri="{FF2B5EF4-FFF2-40B4-BE49-F238E27FC236}">
-                    <a16:creationId xmlns:a16="http://schemas.microsoft.com/office/drawing/2014/main" id="{5EEDF04D-8AFD-4A1E-99E1-78F53854B046}"/>
-                  </a:ext>
-                </a:extLst>
-              </p:cNvPr>
-              <p:cNvSpPr>
-                <a:spLocks noGrp="1" noRot="1" noChangeAspect="1" noMove="1" noResize="1" noEditPoints="1" noAdjustHandles="1" noChangeArrowheads="1" noChangeShapeType="1" noTextEdit="1"/>
-              </p:cNvSpPr>
-              <p:nvPr>
-                <p:ph idx="1"/>
-              </p:nvPr>
-            </p:nvSpPr>
-            <p:spPr>
-              <a:xfrm>
-                <a:off x="1097280" y="2108201"/>
-                <a:ext cx="10058400" cy="4141597"/>
-              </a:xfrm>
-              <a:blipFill>
-                <a:blip r:embed="rId2"/>
-                <a:stretch>
-                  <a:fillRect l="-1818" t="-2946"/>
-                </a:stretch>
-              </a:blipFill>
-            </p:spPr>
-            <p:txBody>
-              <a:bodyPr/>
-              <a:lstStyle/>
-              <a:p>
-                <a:r>
-                  <a:rPr lang="en-GB">
-                    <a:noFill/>
-                  </a:rPr>
-                  <a:t> </a:t>
-                </a:r>
-              </a:p>
-            </p:txBody>
-          </p:sp>
-        </mc:Fallback>
-      </mc:AlternateContent>
-    </p:spTree>
-    <p:extLst>
-      <p:ext uri="{BB962C8B-B14F-4D97-AF65-F5344CB8AC3E}">
-        <p14:creationId xmlns:p14="http://schemas.microsoft.com/office/powerpoint/2010/main" val="201084746"/>
-      </p:ext>
-    </p:extLst>
-  </p:cSld>
-  <p:clrMapOvr>
-    <a:masterClrMapping/>
-  </p:clrMapOvr>
-  <p:timing>
-    <p:tnLst>
-      <p:par>
-        <p:cTn id="1" dur="indefinite" restart="never" nodeType="tmRoot">
-          <p:childTnLst>
-            <p:seq concurrent="1" nextAc="seek">
-              <p:cTn id="2" dur="indefinite" nodeType="mainSeq">
-                <p:childTnLst>
-                  <p:par>
-                    <p:cTn id="3" fill="hold">
-                      <p:stCondLst>
-                        <p:cond delay="indefinite"/>
-                      </p:stCondLst>
-                      <p:childTnLst>
-                        <p:par>
-                          <p:cTn id="4" fill="hold">
-                            <p:stCondLst>
-                              <p:cond delay="0"/>
-                            </p:stCondLst>
-                            <p:childTnLst>
-                              <p:par>
-                                <p:cTn id="5" presetID="1" presetClass="entr" presetSubtype="0" fill="hold" grpId="0" nodeType="clickEffect">
-                                  <p:stCondLst>
-                                    <p:cond delay="0"/>
-                                  </p:stCondLst>
-                                  <p:childTnLst>
-                                    <p:set>
-                                      <p:cBhvr>
-                                        <p:cTn id="6" dur="1" fill="hold">
-                                          <p:stCondLst>
-                                            <p:cond delay="0"/>
-                                          </p:stCondLst>
-                                        </p:cTn>
-                                        <p:tgtEl>
-                                          <p:spTgt spid="3">
-                                            <p:txEl>
-                                              <p:pRg st="0" end="0"/>
-                                            </p:txEl>
-                                          </p:spTgt>
-                                        </p:tgtEl>
-                                        <p:attrNameLst>
-                                          <p:attrName>style.visibility</p:attrName>
-                                        </p:attrNameLst>
-                                      </p:cBhvr>
-                                      <p:to>
-                                        <p:strVal val="visible"/>
-                                      </p:to>
-                                    </p:set>
-                                  </p:childTnLst>
-                                </p:cTn>
-                              </p:par>
-                            </p:childTnLst>
-                          </p:cTn>
-                        </p:par>
-                      </p:childTnLst>
-                    </p:cTn>
-                  </p:par>
-                  <p:par>
-                    <p:cTn id="7" fill="hold">
-                      <p:stCondLst>
-                        <p:cond delay="indefinite"/>
-                      </p:stCondLst>
-                      <p:childTnLst>
-                        <p:par>
-                          <p:cTn id="8" fill="hold">
-                            <p:stCondLst>
-                              <p:cond delay="0"/>
-                            </p:stCondLst>
-                            <p:childTnLst>
-                              <p:par>
-                                <p:cTn id="9" presetID="1" presetClass="entr" presetSubtype="0" fill="hold" grpId="0" nodeType="clickEffect">
-                                  <p:stCondLst>
-                                    <p:cond delay="0"/>
-                                  </p:stCondLst>
-                                  <p:childTnLst>
-                                    <p:set>
-                                      <p:cBhvr>
-                                        <p:cTn id="10" dur="1" fill="hold">
-                                          <p:stCondLst>
-                                            <p:cond delay="0"/>
-                                          </p:stCondLst>
-                                        </p:cTn>
-                                        <p:tgtEl>
-                                          <p:spTgt spid="3">
-                                            <p:txEl>
-                                              <p:pRg st="1" end="1"/>
-                                            </p:txEl>
-                                          </p:spTgt>
-                                        </p:tgtEl>
-                                        <p:attrNameLst>
-                                          <p:attrName>style.visibility</p:attrName>
-                                        </p:attrNameLst>
-                                      </p:cBhvr>
-                                      <p:to>
-                                        <p:strVal val="visible"/>
-                                      </p:to>
-                                    </p:set>
-                                  </p:childTnLst>
-                                </p:cTn>
-                              </p:par>
-                            </p:childTnLst>
-                          </p:cTn>
-                        </p:par>
-                      </p:childTnLst>
-                    </p:cTn>
-                  </p:par>
-                  <p:par>
-                    <p:cTn id="11" fill="hold">
-                      <p:stCondLst>
-                        <p:cond delay="indefinite"/>
-                      </p:stCondLst>
-                      <p:childTnLst>
-                        <p:par>
-                          <p:cTn id="12" fill="hold">
-                            <p:stCondLst>
-                              <p:cond delay="0"/>
-                            </p:stCondLst>
-                            <p:childTnLst>
-                              <p:par>
-                                <p:cTn id="13" presetID="1" presetClass="entr" presetSubtype="0" fill="hold" grpId="0" nodeType="clickEffect">
-                                  <p:stCondLst>
-                                    <p:cond delay="0"/>
-                                  </p:stCondLst>
-                                  <p:childTnLst>
-                                    <p:set>
-                                      <p:cBhvr>
-                                        <p:cTn id="14" dur="1" fill="hold">
-                                          <p:stCondLst>
-                                            <p:cond delay="0"/>
-                                          </p:stCondLst>
-                                        </p:cTn>
-                                        <p:tgtEl>
-                                          <p:spTgt spid="3">
-                                            <p:txEl>
-                                              <p:pRg st="2" end="2"/>
-                                            </p:txEl>
-                                          </p:spTgt>
-                                        </p:tgtEl>
-                                        <p:attrNameLst>
-                                          <p:attrName>style.visibility</p:attrName>
-                                        </p:attrNameLst>
-                                      </p:cBhvr>
-                                      <p:to>
-                                        <p:strVal val="visible"/>
-                                      </p:to>
-                                    </p:set>
-                                  </p:childTnLst>
-                                </p:cTn>
-                              </p:par>
-                            </p:childTnLst>
-                          </p:cTn>
-                        </p:par>
-                      </p:childTnLst>
-                    </p:cTn>
-                  </p:par>
-                  <p:par>
-                    <p:cTn id="15" fill="hold">
-                      <p:stCondLst>
-                        <p:cond delay="indefinite"/>
-                      </p:stCondLst>
-                      <p:childTnLst>
-                        <p:par>
-                          <p:cTn id="16" fill="hold">
-                            <p:stCondLst>
-                              <p:cond delay="0"/>
-                            </p:stCondLst>
-                            <p:childTnLst>
-                              <p:par>
-                                <p:cTn id="17" presetID="1" presetClass="entr" presetSubtype="0" fill="hold" grpId="0" nodeType="clickEffect">
-                                  <p:stCondLst>
-                                    <p:cond delay="0"/>
-                                  </p:stCondLst>
-                                  <p:childTnLst>
-                                    <p:set>
-                                      <p:cBhvr>
-                                        <p:cTn id="18" dur="1" fill="hold">
-                                          <p:stCondLst>
-                                            <p:cond delay="0"/>
-                                          </p:stCondLst>
-                                        </p:cTn>
-                                        <p:tgtEl>
-                                          <p:spTgt spid="3">
-                                            <p:txEl>
-                                              <p:pRg st="3" end="3"/>
-                                            </p:txEl>
-                                          </p:spTgt>
-                                        </p:tgtEl>
-                                        <p:attrNameLst>
-                                          <p:attrName>style.visibility</p:attrName>
-                                        </p:attrNameLst>
-                                      </p:cBhvr>
-                                      <p:to>
-                                        <p:strVal val="visible"/>
-                                      </p:to>
-                                    </p:set>
-                                  </p:childTnLst>
-                                </p:cTn>
-                              </p:par>
-                            </p:childTnLst>
-                          </p:cTn>
-                        </p:par>
-                      </p:childTnLst>
-                    </p:cTn>
-                  </p:par>
-                  <p:par>
-                    <p:cTn id="19" fill="hold">
-                      <p:stCondLst>
-                        <p:cond delay="indefinite"/>
-                      </p:stCondLst>
-                      <p:childTnLst>
-                        <p:par>
-                          <p:cTn id="20" fill="hold">
-                            <p:stCondLst>
-                              <p:cond delay="0"/>
-                            </p:stCondLst>
-                            <p:childTnLst>
-                              <p:par>
-                                <p:cTn id="21" presetID="1" presetClass="entr" presetSubtype="0" fill="hold" grpId="0" nodeType="clickEffect">
-                                  <p:stCondLst>
-                                    <p:cond delay="0"/>
-                                  </p:stCondLst>
-                                  <p:childTnLst>
-                                    <p:set>
-                                      <p:cBhvr>
-                                        <p:cTn id="22" dur="1" fill="hold">
-                                          <p:stCondLst>
-                                            <p:cond delay="0"/>
-                                          </p:stCondLst>
-                                        </p:cTn>
-                                        <p:tgtEl>
-                                          <p:spTgt spid="3">
-                                            <p:txEl>
-                                              <p:pRg st="4" end="4"/>
-                                            </p:txEl>
-                                          </p:spTgt>
-                                        </p:tgtEl>
-                                        <p:attrNameLst>
-                                          <p:attrName>style.visibility</p:attrName>
-                                        </p:attrNameLst>
-                                      </p:cBhvr>
-                                      <p:to>
-                                        <p:strVal val="visible"/>
-                                      </p:to>
-                                    </p:set>
-                                  </p:childTnLst>
-                                </p:cTn>
-                              </p:par>
-                            </p:childTnLst>
-                          </p:cTn>
-                        </p:par>
-                      </p:childTnLst>
-                    </p:cTn>
-                  </p:par>
-                  <p:par>
-                    <p:cTn id="23" fill="hold">
-                      <p:stCondLst>
-                        <p:cond delay="indefinite"/>
-                      </p:stCondLst>
-                      <p:childTnLst>
-                        <p:par>
-                          <p:cTn id="24" fill="hold">
-                            <p:stCondLst>
-                              <p:cond delay="0"/>
-                            </p:stCondLst>
-                            <p:childTnLst>
-                              <p:par>
-                                <p:cTn id="25" presetID="1" presetClass="entr" presetSubtype="0" fill="hold" grpId="0" nodeType="clickEffect">
-                                  <p:stCondLst>
-                                    <p:cond delay="0"/>
-                                  </p:stCondLst>
-                                  <p:childTnLst>
-                                    <p:set>
-                                      <p:cBhvr>
-                                        <p:cTn id="26" dur="1" fill="hold">
-                                          <p:stCondLst>
-                                            <p:cond delay="0"/>
-                                          </p:stCondLst>
-                                        </p:cTn>
-                                        <p:tgtEl>
-                                          <p:spTgt spid="3">
-                                            <p:txEl>
-                                              <p:pRg st="5" end="5"/>
-                                            </p:txEl>
-                                          </p:spTgt>
-                                        </p:tgtEl>
-                                        <p:attrNameLst>
-                                          <p:attrName>style.visibility</p:attrName>
-                                        </p:attrNameLst>
-                                      </p:cBhvr>
-                                      <p:to>
-                                        <p:strVal val="visible"/>
-                                      </p:to>
-                                    </p:set>
-                                  </p:childTnLst>
-                                </p:cTn>
-                              </p:par>
-                            </p:childTnLst>
-                          </p:cTn>
-                        </p:par>
-                      </p:childTnLst>
-                    </p:cTn>
-                  </p:par>
-                  <p:par>
-                    <p:cTn id="27" fill="hold">
-                      <p:stCondLst>
-                        <p:cond delay="indefinite"/>
-                      </p:stCondLst>
-                      <p:childTnLst>
-                        <p:par>
-                          <p:cTn id="28" fill="hold">
-                            <p:stCondLst>
-                              <p:cond delay="0"/>
-                            </p:stCondLst>
-                            <p:childTnLst>
-                              <p:par>
-                                <p:cTn id="29" presetID="1" presetClass="entr" presetSubtype="0" fill="hold" grpId="0" nodeType="clickEffect">
-                                  <p:stCondLst>
-                                    <p:cond delay="0"/>
-                                  </p:stCondLst>
-                                  <p:childTnLst>
-                                    <p:set>
-                                      <p:cBhvr>
-                                        <p:cTn id="30" dur="1" fill="hold">
-                                          <p:stCondLst>
-                                            <p:cond delay="0"/>
-                                          </p:stCondLst>
-                                        </p:cTn>
-                                        <p:tgtEl>
-                                          <p:spTgt spid="3">
-                                            <p:txEl>
-                                              <p:pRg st="6" end="6"/>
-                                            </p:txEl>
-                                          </p:spTgt>
-                                        </p:tgtEl>
-                                        <p:attrNameLst>
-                                          <p:attrName>style.visibility</p:attrName>
-                                        </p:attrNameLst>
-                                      </p:cBhvr>
-                                      <p:to>
-                                        <p:strVal val="visible"/>
-                                      </p:to>
-                                    </p:set>
-                                  </p:childTnLst>
-                                </p:cTn>
-                              </p:par>
-                            </p:childTnLst>
-                          </p:cTn>
-                        </p:par>
-                      </p:childTnLst>
-                    </p:cTn>
-                  </p:par>
-                </p:childTnLst>
-              </p:cTn>
-              <p:prevCondLst>
-                <p:cond evt="onPrev" delay="0">
-                  <p:tgtEl>
-                    <p:sldTgt/>
-                  </p:tgtEl>
-                </p:cond>
-              </p:prevCondLst>
-              <p:nextCondLst>
-                <p:cond evt="onNext" delay="0">
-                  <p:tgtEl>
-                    <p:sldTgt/>
-                  </p:tgtEl>
-                </p:cond>
-              </p:nextCondLst>
-            </p:seq>
-          </p:childTnLst>
-        </p:cTn>
-      </p:par>
-    </p:tnLst>
-    <p:bldLst>
-      <p:bldP spid="3" grpId="0" uiExpand="1" build="p"/>
-    </p:bldLst>
-  </p:timing>
-</p:sld>
-</file>
-
-<file path=ppt/slides/slide11.xml><?xml version="1.0" encoding="utf-8"?>
-<p:sld xmlns:a="http://schemas.openxmlformats.org/drawingml/2006/main" xmlns:r="http://schemas.openxmlformats.org/officeDocument/2006/relationships" xmlns:p="http://schemas.openxmlformats.org/presentationml/2006/main">
-  <p:cSld>
-    <p:spTree>
-      <p:nvGrpSpPr>
-        <p:cNvPr id="1" name=""/>
-        <p:cNvGrpSpPr/>
-        <p:nvPr/>
-      </p:nvGrpSpPr>
-      <p:grpSpPr>
-        <a:xfrm>
-          <a:off x="0" y="0"/>
-          <a:ext cx="0" cy="0"/>
-          <a:chOff x="0" y="0"/>
-          <a:chExt cx="0" cy="0"/>
-        </a:xfrm>
-      </p:grpSpPr>
-      <p:sp>
-        <p:nvSpPr>
-          <p:cNvPr id="2" name="Title 1">
-            <a:extLst>
-              <a:ext uri="{FF2B5EF4-FFF2-40B4-BE49-F238E27FC236}">
                 <a16:creationId xmlns:a16="http://schemas.microsoft.com/office/drawing/2014/main" id="{8B536C4C-AB83-4353-ABBB-00CED17A3D3F}"/>
               </a:ext>
             </a:extLst>
@@ -5443,7 +4659,7 @@
 </p:sld>
 </file>
 
-<file path=ppt/slides/slide12.xml><?xml version="1.0" encoding="utf-8"?>
+<file path=ppt/slides/slide11.xml><?xml version="1.0" encoding="utf-8"?>
 <p:sld xmlns:a="http://schemas.openxmlformats.org/drawingml/2006/main" xmlns:r="http://schemas.openxmlformats.org/officeDocument/2006/relationships" xmlns:p="http://schemas.openxmlformats.org/presentationml/2006/main">
   <p:cSld>
     <p:spTree>
@@ -6224,7 +5440,7 @@
 </p:sld>
 </file>
 
-<file path=ppt/slides/slide13.xml><?xml version="1.0" encoding="utf-8"?>
+<file path=ppt/slides/slide12.xml><?xml version="1.0" encoding="utf-8"?>
 <p:sld xmlns:a="http://schemas.openxmlformats.org/drawingml/2006/main" xmlns:r="http://schemas.openxmlformats.org/officeDocument/2006/relationships" xmlns:p="http://schemas.openxmlformats.org/presentationml/2006/main">
   <p:cSld>
     <p:spTree>
@@ -6923,7 +6139,7 @@
 </p:sld>
 </file>
 
-<file path=ppt/slides/slide14.xml><?xml version="1.0" encoding="utf-8"?>
+<file path=ppt/slides/slide13.xml><?xml version="1.0" encoding="utf-8"?>
 <p:sld xmlns:a="http://schemas.openxmlformats.org/drawingml/2006/main" xmlns:r="http://schemas.openxmlformats.org/officeDocument/2006/relationships" xmlns:p="http://schemas.openxmlformats.org/presentationml/2006/main">
   <p:cSld>
     <p:bg>
@@ -7313,7 +6529,7 @@
 </p:sld>
 </file>
 
-<file path=ppt/slides/slide15.xml><?xml version="1.0" encoding="utf-8"?>
+<file path=ppt/slides/slide14.xml><?xml version="1.0" encoding="utf-8"?>
 <p:sld xmlns:a="http://schemas.openxmlformats.org/drawingml/2006/main" xmlns:r="http://schemas.openxmlformats.org/officeDocument/2006/relationships" xmlns:p="http://schemas.openxmlformats.org/presentationml/2006/main">
   <p:cSld>
     <p:spTree>
@@ -7603,7 +6819,7 @@
 </p:sld>
 </file>
 
-<file path=ppt/slides/slide16.xml><?xml version="1.0" encoding="utf-8"?>
+<file path=ppt/slides/slide15.xml><?xml version="1.0" encoding="utf-8"?>
 <p:sld xmlns:a="http://schemas.openxmlformats.org/drawingml/2006/main" xmlns:r="http://schemas.openxmlformats.org/officeDocument/2006/relationships" xmlns:p="http://schemas.openxmlformats.org/presentationml/2006/main">
   <p:cSld>
     <p:spTree>
@@ -7850,7 +7066,7 @@
 </p:sld>
 </file>
 
-<file path=ppt/slides/slide17.xml><?xml version="1.0" encoding="utf-8"?>
+<file path=ppt/slides/slide16.xml><?xml version="1.0" encoding="utf-8"?>
 <p:sld xmlns:a="http://schemas.openxmlformats.org/drawingml/2006/main" xmlns:r="http://schemas.openxmlformats.org/officeDocument/2006/relationships" xmlns:p="http://schemas.openxmlformats.org/presentationml/2006/main">
   <p:cSld>
     <p:spTree>
@@ -8612,7 +7828,7 @@
 </p:sld>
 </file>
 
-<file path=ppt/slides/slide18.xml><?xml version="1.0" encoding="utf-8"?>
+<file path=ppt/slides/slide17.xml><?xml version="1.0" encoding="utf-8"?>
 <p:sld xmlns:a="http://schemas.openxmlformats.org/drawingml/2006/main" xmlns:r="http://schemas.openxmlformats.org/officeDocument/2006/relationships" xmlns:p="http://schemas.openxmlformats.org/presentationml/2006/main">
   <p:cSld>
     <p:spTree>
@@ -9109,7 +8325,7 @@
 </p:sld>
 </file>
 
-<file path=ppt/slides/slide19.xml><?xml version="1.0" encoding="utf-8"?>
+<file path=ppt/slides/slide18.xml><?xml version="1.0" encoding="utf-8"?>
 <p:sld xmlns:a="http://schemas.openxmlformats.org/drawingml/2006/main" xmlns:r="http://schemas.openxmlformats.org/officeDocument/2006/relationships" xmlns:p="http://schemas.openxmlformats.org/presentationml/2006/main">
   <p:cSld>
     <p:spTree>
@@ -9423,6 +8639,415 @@
                                           <p:spTgt spid="3">
                                             <p:txEl>
                                               <p:pRg st="2" end="2"/>
+                                            </p:txEl>
+                                          </p:spTgt>
+                                        </p:tgtEl>
+                                        <p:attrNameLst>
+                                          <p:attrName>style.visibility</p:attrName>
+                                        </p:attrNameLst>
+                                      </p:cBhvr>
+                                      <p:to>
+                                        <p:strVal val="visible"/>
+                                      </p:to>
+                                    </p:set>
+                                  </p:childTnLst>
+                                </p:cTn>
+                              </p:par>
+                            </p:childTnLst>
+                          </p:cTn>
+                        </p:par>
+                      </p:childTnLst>
+                    </p:cTn>
+                  </p:par>
+                </p:childTnLst>
+              </p:cTn>
+              <p:prevCondLst>
+                <p:cond evt="onPrev" delay="0">
+                  <p:tgtEl>
+                    <p:sldTgt/>
+                  </p:tgtEl>
+                </p:cond>
+              </p:prevCondLst>
+              <p:nextCondLst>
+                <p:cond evt="onNext" delay="0">
+                  <p:tgtEl>
+                    <p:sldTgt/>
+                  </p:tgtEl>
+                </p:cond>
+              </p:nextCondLst>
+            </p:seq>
+          </p:childTnLst>
+        </p:cTn>
+      </p:par>
+    </p:tnLst>
+    <p:bldLst>
+      <p:bldP spid="3" grpId="0" build="p"/>
+    </p:bldLst>
+  </p:timing>
+</p:sld>
+</file>
+
+<file path=ppt/slides/slide19.xml><?xml version="1.0" encoding="utf-8"?>
+<p:sld xmlns:a="http://schemas.openxmlformats.org/drawingml/2006/main" xmlns:r="http://schemas.openxmlformats.org/officeDocument/2006/relationships" xmlns:p="http://schemas.openxmlformats.org/presentationml/2006/main">
+  <p:cSld>
+    <p:spTree>
+      <p:nvGrpSpPr>
+        <p:cNvPr id="1" name=""/>
+        <p:cNvGrpSpPr/>
+        <p:nvPr/>
+      </p:nvGrpSpPr>
+      <p:grpSpPr>
+        <a:xfrm>
+          <a:off x="0" y="0"/>
+          <a:ext cx="0" cy="0"/>
+          <a:chOff x="0" y="0"/>
+          <a:chExt cx="0" cy="0"/>
+        </a:xfrm>
+      </p:grpSpPr>
+      <p:sp>
+        <p:nvSpPr>
+          <p:cNvPr id="2" name="Title 1">
+            <a:extLst>
+              <a:ext uri="{FF2B5EF4-FFF2-40B4-BE49-F238E27FC236}">
+                <a16:creationId xmlns:a16="http://schemas.microsoft.com/office/drawing/2014/main" id="{4BD53B7F-A44E-4E72-B5A4-8681A519198E}"/>
+              </a:ext>
+            </a:extLst>
+          </p:cNvPr>
+          <p:cNvSpPr>
+            <a:spLocks noGrp="1"/>
+          </p:cNvSpPr>
+          <p:nvPr>
+            <p:ph type="title"/>
+          </p:nvPr>
+        </p:nvSpPr>
+        <p:spPr/>
+        <p:txBody>
+          <a:bodyPr/>
+          <a:lstStyle/>
+          <a:p>
+            <a:br>
+              <a:rPr lang="en-GB" dirty="0"/>
+            </a:br>
+            <a:r>
+              <a:rPr lang="en-GB" dirty="0"/>
+              <a:t>Simulating Newtonian physics</a:t>
+            </a:r>
+          </a:p>
+        </p:txBody>
+      </p:sp>
+      <p:sp>
+        <p:nvSpPr>
+          <p:cNvPr id="3" name="Content Placeholder 2">
+            <a:extLst>
+              <a:ext uri="{FF2B5EF4-FFF2-40B4-BE49-F238E27FC236}">
+                <a16:creationId xmlns:a16="http://schemas.microsoft.com/office/drawing/2014/main" id="{504CFCEC-B935-43EA-B76F-9B0B28EAE7B3}"/>
+              </a:ext>
+            </a:extLst>
+          </p:cNvPr>
+          <p:cNvSpPr>
+            <a:spLocks noGrp="1"/>
+          </p:cNvSpPr>
+          <p:nvPr>
+            <p:ph idx="1"/>
+          </p:nvPr>
+        </p:nvSpPr>
+        <p:spPr/>
+        <p:txBody>
+          <a:bodyPr>
+            <a:normAutofit fontScale="92500" lnSpcReduction="10000"/>
+          </a:bodyPr>
+          <a:lstStyle/>
+          <a:p>
+            <a:r>
+              <a:rPr lang="en-GB" dirty="0"/>
+              <a:t>For each object, store its position and velocity</a:t>
+            </a:r>
+          </a:p>
+          <a:p>
+            <a:r>
+              <a:rPr lang="en-GB" dirty="0"/>
+              <a:t>On each time step:</a:t>
+            </a:r>
+          </a:p>
+          <a:p>
+            <a:r>
+              <a:rPr lang="en-GB" dirty="0"/>
+              <a:t>Apply numerical integration to the velocity to determine the new position</a:t>
+            </a:r>
+          </a:p>
+          <a:p>
+            <a:r>
+              <a:rPr lang="en-GB" dirty="0"/>
+              <a:t>Calculate the forces acting upon the object, and thus the acceleration from Newton’s 2</a:t>
+            </a:r>
+            <a:r>
+              <a:rPr lang="en-GB" baseline="30000" dirty="0"/>
+              <a:t>nd</a:t>
+            </a:r>
+            <a:r>
+              <a:rPr lang="en-GB" dirty="0"/>
+              <a:t> law</a:t>
+            </a:r>
+          </a:p>
+          <a:p>
+            <a:r>
+              <a:rPr lang="en-GB" dirty="0"/>
+              <a:t>Apply numerical integration to the </a:t>
+            </a:r>
+            <a:r>
+              <a:rPr lang="en-GB" dirty="0" err="1"/>
+              <a:t>aceleration</a:t>
+            </a:r>
+            <a:r>
+              <a:rPr lang="en-GB" dirty="0"/>
+              <a:t> to determine the new velocity</a:t>
+            </a:r>
+          </a:p>
+        </p:txBody>
+      </p:sp>
+    </p:spTree>
+    <p:extLst>
+      <p:ext uri="{BB962C8B-B14F-4D97-AF65-F5344CB8AC3E}">
+        <p14:creationId xmlns:p14="http://schemas.microsoft.com/office/powerpoint/2010/main" val="3838068822"/>
+      </p:ext>
+    </p:extLst>
+  </p:cSld>
+  <p:clrMapOvr>
+    <a:masterClrMapping/>
+  </p:clrMapOvr>
+  <p:timing>
+    <p:tnLst>
+      <p:par>
+        <p:cTn id="1" dur="indefinite" restart="never" nodeType="tmRoot">
+          <p:childTnLst>
+            <p:seq concurrent="1" nextAc="seek">
+              <p:cTn id="2" dur="indefinite" nodeType="mainSeq">
+                <p:childTnLst>
+                  <p:par>
+                    <p:cTn id="3" fill="hold">
+                      <p:stCondLst>
+                        <p:cond delay="indefinite"/>
+                      </p:stCondLst>
+                      <p:childTnLst>
+                        <p:par>
+                          <p:cTn id="4" fill="hold">
+                            <p:stCondLst>
+                              <p:cond delay="0"/>
+                            </p:stCondLst>
+                            <p:childTnLst>
+                              <p:par>
+                                <p:cTn id="5" presetID="1" presetClass="entr" presetSubtype="0" fill="hold" grpId="0" nodeType="clickEffect">
+                                  <p:stCondLst>
+                                    <p:cond delay="0"/>
+                                  </p:stCondLst>
+                                  <p:childTnLst>
+                                    <p:set>
+                                      <p:cBhvr>
+                                        <p:cTn id="6" dur="1" fill="hold">
+                                          <p:stCondLst>
+                                            <p:cond delay="0"/>
+                                          </p:stCondLst>
+                                        </p:cTn>
+                                        <p:tgtEl>
+                                          <p:spTgt spid="3">
+                                            <p:txEl>
+                                              <p:pRg st="0" end="0"/>
+                                            </p:txEl>
+                                          </p:spTgt>
+                                        </p:tgtEl>
+                                        <p:attrNameLst>
+                                          <p:attrName>style.visibility</p:attrName>
+                                        </p:attrNameLst>
+                                      </p:cBhvr>
+                                      <p:to>
+                                        <p:strVal val="visible"/>
+                                      </p:to>
+                                    </p:set>
+                                  </p:childTnLst>
+                                </p:cTn>
+                              </p:par>
+                            </p:childTnLst>
+                          </p:cTn>
+                        </p:par>
+                      </p:childTnLst>
+                    </p:cTn>
+                  </p:par>
+                  <p:par>
+                    <p:cTn id="7" fill="hold">
+                      <p:stCondLst>
+                        <p:cond delay="indefinite"/>
+                      </p:stCondLst>
+                      <p:childTnLst>
+                        <p:par>
+                          <p:cTn id="8" fill="hold">
+                            <p:stCondLst>
+                              <p:cond delay="0"/>
+                            </p:stCondLst>
+                            <p:childTnLst>
+                              <p:par>
+                                <p:cTn id="9" presetID="1" presetClass="entr" presetSubtype="0" fill="hold" grpId="0" nodeType="clickEffect">
+                                  <p:stCondLst>
+                                    <p:cond delay="0"/>
+                                  </p:stCondLst>
+                                  <p:childTnLst>
+                                    <p:set>
+                                      <p:cBhvr>
+                                        <p:cTn id="10" dur="1" fill="hold">
+                                          <p:stCondLst>
+                                            <p:cond delay="0"/>
+                                          </p:stCondLst>
+                                        </p:cTn>
+                                        <p:tgtEl>
+                                          <p:spTgt spid="3">
+                                            <p:txEl>
+                                              <p:pRg st="1" end="1"/>
+                                            </p:txEl>
+                                          </p:spTgt>
+                                        </p:tgtEl>
+                                        <p:attrNameLst>
+                                          <p:attrName>style.visibility</p:attrName>
+                                        </p:attrNameLst>
+                                      </p:cBhvr>
+                                      <p:to>
+                                        <p:strVal val="visible"/>
+                                      </p:to>
+                                    </p:set>
+                                  </p:childTnLst>
+                                </p:cTn>
+                              </p:par>
+                            </p:childTnLst>
+                          </p:cTn>
+                        </p:par>
+                      </p:childTnLst>
+                    </p:cTn>
+                  </p:par>
+                  <p:par>
+                    <p:cTn id="11" fill="hold">
+                      <p:stCondLst>
+                        <p:cond delay="indefinite"/>
+                      </p:stCondLst>
+                      <p:childTnLst>
+                        <p:par>
+                          <p:cTn id="12" fill="hold">
+                            <p:stCondLst>
+                              <p:cond delay="0"/>
+                            </p:stCondLst>
+                            <p:childTnLst>
+                              <p:par>
+                                <p:cTn id="13" presetID="1" presetClass="entr" presetSubtype="0" fill="hold" grpId="0" nodeType="clickEffect">
+                                  <p:stCondLst>
+                                    <p:cond delay="0"/>
+                                  </p:stCondLst>
+                                  <p:childTnLst>
+                                    <p:set>
+                                      <p:cBhvr>
+                                        <p:cTn id="14" dur="1" fill="hold">
+                                          <p:stCondLst>
+                                            <p:cond delay="0"/>
+                                          </p:stCondLst>
+                                        </p:cTn>
+                                        <p:tgtEl>
+                                          <p:spTgt spid="3">
+                                            <p:txEl>
+                                              <p:pRg st="2" end="2"/>
+                                            </p:txEl>
+                                          </p:spTgt>
+                                        </p:tgtEl>
+                                        <p:attrNameLst>
+                                          <p:attrName>style.visibility</p:attrName>
+                                        </p:attrNameLst>
+                                      </p:cBhvr>
+                                      <p:to>
+                                        <p:strVal val="visible"/>
+                                      </p:to>
+                                    </p:set>
+                                  </p:childTnLst>
+                                </p:cTn>
+                              </p:par>
+                            </p:childTnLst>
+                          </p:cTn>
+                        </p:par>
+                      </p:childTnLst>
+                    </p:cTn>
+                  </p:par>
+                  <p:par>
+                    <p:cTn id="15" fill="hold">
+                      <p:stCondLst>
+                        <p:cond delay="indefinite"/>
+                      </p:stCondLst>
+                      <p:childTnLst>
+                        <p:par>
+                          <p:cTn id="16" fill="hold">
+                            <p:stCondLst>
+                              <p:cond delay="0"/>
+                            </p:stCondLst>
+                            <p:childTnLst>
+                              <p:par>
+                                <p:cTn id="17" presetID="1" presetClass="entr" presetSubtype="0" fill="hold" grpId="0" nodeType="clickEffect">
+                                  <p:stCondLst>
+                                    <p:cond delay="0"/>
+                                  </p:stCondLst>
+                                  <p:childTnLst>
+                                    <p:set>
+                                      <p:cBhvr>
+                                        <p:cTn id="18" dur="1" fill="hold">
+                                          <p:stCondLst>
+                                            <p:cond delay="0"/>
+                                          </p:stCondLst>
+                                        </p:cTn>
+                                        <p:tgtEl>
+                                          <p:spTgt spid="3">
+                                            <p:txEl>
+                                              <p:pRg st="3" end="3"/>
+                                            </p:txEl>
+                                          </p:spTgt>
+                                        </p:tgtEl>
+                                        <p:attrNameLst>
+                                          <p:attrName>style.visibility</p:attrName>
+                                        </p:attrNameLst>
+                                      </p:cBhvr>
+                                      <p:to>
+                                        <p:strVal val="visible"/>
+                                      </p:to>
+                                    </p:set>
+                                  </p:childTnLst>
+                                </p:cTn>
+                              </p:par>
+                            </p:childTnLst>
+                          </p:cTn>
+                        </p:par>
+                      </p:childTnLst>
+                    </p:cTn>
+                  </p:par>
+                  <p:par>
+                    <p:cTn id="19" fill="hold">
+                      <p:stCondLst>
+                        <p:cond delay="indefinite"/>
+                      </p:stCondLst>
+                      <p:childTnLst>
+                        <p:par>
+                          <p:cTn id="20" fill="hold">
+                            <p:stCondLst>
+                              <p:cond delay="0"/>
+                            </p:stCondLst>
+                            <p:childTnLst>
+                              <p:par>
+                                <p:cTn id="21" presetID="1" presetClass="entr" presetSubtype="0" fill="hold" grpId="0" nodeType="clickEffect">
+                                  <p:stCondLst>
+                                    <p:cond delay="0"/>
+                                  </p:stCondLst>
+                                  <p:childTnLst>
+                                    <p:set>
+                                      <p:cBhvr>
+                                        <p:cTn id="22" dur="1" fill="hold">
+                                          <p:stCondLst>
+                                            <p:cond delay="0"/>
+                                          </p:stCondLst>
+                                        </p:cTn>
+                                        <p:tgtEl>
+                                          <p:spTgt spid="3">
+                                            <p:txEl>
+                                              <p:pRg st="4" end="4"/>
                                             </p:txEl>
                                           </p:spTgt>
                                         </p:tgtEl>
@@ -9862,415 +9487,6 @@
 </file>
 
 <file path=ppt/slides/slide20.xml><?xml version="1.0" encoding="utf-8"?>
-<p:sld xmlns:a="http://schemas.openxmlformats.org/drawingml/2006/main" xmlns:r="http://schemas.openxmlformats.org/officeDocument/2006/relationships" xmlns:p="http://schemas.openxmlformats.org/presentationml/2006/main">
-  <p:cSld>
-    <p:spTree>
-      <p:nvGrpSpPr>
-        <p:cNvPr id="1" name=""/>
-        <p:cNvGrpSpPr/>
-        <p:nvPr/>
-      </p:nvGrpSpPr>
-      <p:grpSpPr>
-        <a:xfrm>
-          <a:off x="0" y="0"/>
-          <a:ext cx="0" cy="0"/>
-          <a:chOff x="0" y="0"/>
-          <a:chExt cx="0" cy="0"/>
-        </a:xfrm>
-      </p:grpSpPr>
-      <p:sp>
-        <p:nvSpPr>
-          <p:cNvPr id="2" name="Title 1">
-            <a:extLst>
-              <a:ext uri="{FF2B5EF4-FFF2-40B4-BE49-F238E27FC236}">
-                <a16:creationId xmlns:a16="http://schemas.microsoft.com/office/drawing/2014/main" id="{4BD53B7F-A44E-4E72-B5A4-8681A519198E}"/>
-              </a:ext>
-            </a:extLst>
-          </p:cNvPr>
-          <p:cNvSpPr>
-            <a:spLocks noGrp="1"/>
-          </p:cNvSpPr>
-          <p:nvPr>
-            <p:ph type="title"/>
-          </p:nvPr>
-        </p:nvSpPr>
-        <p:spPr/>
-        <p:txBody>
-          <a:bodyPr/>
-          <a:lstStyle/>
-          <a:p>
-            <a:br>
-              <a:rPr lang="en-GB" dirty="0"/>
-            </a:br>
-            <a:r>
-              <a:rPr lang="en-GB" dirty="0"/>
-              <a:t>Simulating Newtonian physics</a:t>
-            </a:r>
-          </a:p>
-        </p:txBody>
-      </p:sp>
-      <p:sp>
-        <p:nvSpPr>
-          <p:cNvPr id="3" name="Content Placeholder 2">
-            <a:extLst>
-              <a:ext uri="{FF2B5EF4-FFF2-40B4-BE49-F238E27FC236}">
-                <a16:creationId xmlns:a16="http://schemas.microsoft.com/office/drawing/2014/main" id="{504CFCEC-B935-43EA-B76F-9B0B28EAE7B3}"/>
-              </a:ext>
-            </a:extLst>
-          </p:cNvPr>
-          <p:cNvSpPr>
-            <a:spLocks noGrp="1"/>
-          </p:cNvSpPr>
-          <p:nvPr>
-            <p:ph idx="1"/>
-          </p:nvPr>
-        </p:nvSpPr>
-        <p:spPr/>
-        <p:txBody>
-          <a:bodyPr>
-            <a:normAutofit fontScale="92500" lnSpcReduction="10000"/>
-          </a:bodyPr>
-          <a:lstStyle/>
-          <a:p>
-            <a:r>
-              <a:rPr lang="en-GB" dirty="0"/>
-              <a:t>For each object, store its position and velocity</a:t>
-            </a:r>
-          </a:p>
-          <a:p>
-            <a:r>
-              <a:rPr lang="en-GB" dirty="0"/>
-              <a:t>On each time step:</a:t>
-            </a:r>
-          </a:p>
-          <a:p>
-            <a:r>
-              <a:rPr lang="en-GB" dirty="0"/>
-              <a:t>Apply numerical integration to the velocity to determine the new position</a:t>
-            </a:r>
-          </a:p>
-          <a:p>
-            <a:r>
-              <a:rPr lang="en-GB" dirty="0"/>
-              <a:t>Calculate the forces acting upon the object, and thus the acceleration from Newton’s 2</a:t>
-            </a:r>
-            <a:r>
-              <a:rPr lang="en-GB" baseline="30000" dirty="0"/>
-              <a:t>nd</a:t>
-            </a:r>
-            <a:r>
-              <a:rPr lang="en-GB" dirty="0"/>
-              <a:t> law</a:t>
-            </a:r>
-          </a:p>
-          <a:p>
-            <a:r>
-              <a:rPr lang="en-GB" dirty="0"/>
-              <a:t>Apply numerical integration to the </a:t>
-            </a:r>
-            <a:r>
-              <a:rPr lang="en-GB" dirty="0" err="1"/>
-              <a:t>aceleration</a:t>
-            </a:r>
-            <a:r>
-              <a:rPr lang="en-GB" dirty="0"/>
-              <a:t> to determine the new velocity</a:t>
-            </a:r>
-          </a:p>
-        </p:txBody>
-      </p:sp>
-    </p:spTree>
-    <p:extLst>
-      <p:ext uri="{BB962C8B-B14F-4D97-AF65-F5344CB8AC3E}">
-        <p14:creationId xmlns:p14="http://schemas.microsoft.com/office/powerpoint/2010/main" val="3838068822"/>
-      </p:ext>
-    </p:extLst>
-  </p:cSld>
-  <p:clrMapOvr>
-    <a:masterClrMapping/>
-  </p:clrMapOvr>
-  <p:timing>
-    <p:tnLst>
-      <p:par>
-        <p:cTn id="1" dur="indefinite" restart="never" nodeType="tmRoot">
-          <p:childTnLst>
-            <p:seq concurrent="1" nextAc="seek">
-              <p:cTn id="2" dur="indefinite" nodeType="mainSeq">
-                <p:childTnLst>
-                  <p:par>
-                    <p:cTn id="3" fill="hold">
-                      <p:stCondLst>
-                        <p:cond delay="indefinite"/>
-                      </p:stCondLst>
-                      <p:childTnLst>
-                        <p:par>
-                          <p:cTn id="4" fill="hold">
-                            <p:stCondLst>
-                              <p:cond delay="0"/>
-                            </p:stCondLst>
-                            <p:childTnLst>
-                              <p:par>
-                                <p:cTn id="5" presetID="1" presetClass="entr" presetSubtype="0" fill="hold" grpId="0" nodeType="clickEffect">
-                                  <p:stCondLst>
-                                    <p:cond delay="0"/>
-                                  </p:stCondLst>
-                                  <p:childTnLst>
-                                    <p:set>
-                                      <p:cBhvr>
-                                        <p:cTn id="6" dur="1" fill="hold">
-                                          <p:stCondLst>
-                                            <p:cond delay="0"/>
-                                          </p:stCondLst>
-                                        </p:cTn>
-                                        <p:tgtEl>
-                                          <p:spTgt spid="3">
-                                            <p:txEl>
-                                              <p:pRg st="0" end="0"/>
-                                            </p:txEl>
-                                          </p:spTgt>
-                                        </p:tgtEl>
-                                        <p:attrNameLst>
-                                          <p:attrName>style.visibility</p:attrName>
-                                        </p:attrNameLst>
-                                      </p:cBhvr>
-                                      <p:to>
-                                        <p:strVal val="visible"/>
-                                      </p:to>
-                                    </p:set>
-                                  </p:childTnLst>
-                                </p:cTn>
-                              </p:par>
-                            </p:childTnLst>
-                          </p:cTn>
-                        </p:par>
-                      </p:childTnLst>
-                    </p:cTn>
-                  </p:par>
-                  <p:par>
-                    <p:cTn id="7" fill="hold">
-                      <p:stCondLst>
-                        <p:cond delay="indefinite"/>
-                      </p:stCondLst>
-                      <p:childTnLst>
-                        <p:par>
-                          <p:cTn id="8" fill="hold">
-                            <p:stCondLst>
-                              <p:cond delay="0"/>
-                            </p:stCondLst>
-                            <p:childTnLst>
-                              <p:par>
-                                <p:cTn id="9" presetID="1" presetClass="entr" presetSubtype="0" fill="hold" grpId="0" nodeType="clickEffect">
-                                  <p:stCondLst>
-                                    <p:cond delay="0"/>
-                                  </p:stCondLst>
-                                  <p:childTnLst>
-                                    <p:set>
-                                      <p:cBhvr>
-                                        <p:cTn id="10" dur="1" fill="hold">
-                                          <p:stCondLst>
-                                            <p:cond delay="0"/>
-                                          </p:stCondLst>
-                                        </p:cTn>
-                                        <p:tgtEl>
-                                          <p:spTgt spid="3">
-                                            <p:txEl>
-                                              <p:pRg st="1" end="1"/>
-                                            </p:txEl>
-                                          </p:spTgt>
-                                        </p:tgtEl>
-                                        <p:attrNameLst>
-                                          <p:attrName>style.visibility</p:attrName>
-                                        </p:attrNameLst>
-                                      </p:cBhvr>
-                                      <p:to>
-                                        <p:strVal val="visible"/>
-                                      </p:to>
-                                    </p:set>
-                                  </p:childTnLst>
-                                </p:cTn>
-                              </p:par>
-                            </p:childTnLst>
-                          </p:cTn>
-                        </p:par>
-                      </p:childTnLst>
-                    </p:cTn>
-                  </p:par>
-                  <p:par>
-                    <p:cTn id="11" fill="hold">
-                      <p:stCondLst>
-                        <p:cond delay="indefinite"/>
-                      </p:stCondLst>
-                      <p:childTnLst>
-                        <p:par>
-                          <p:cTn id="12" fill="hold">
-                            <p:stCondLst>
-                              <p:cond delay="0"/>
-                            </p:stCondLst>
-                            <p:childTnLst>
-                              <p:par>
-                                <p:cTn id="13" presetID="1" presetClass="entr" presetSubtype="0" fill="hold" grpId="0" nodeType="clickEffect">
-                                  <p:stCondLst>
-                                    <p:cond delay="0"/>
-                                  </p:stCondLst>
-                                  <p:childTnLst>
-                                    <p:set>
-                                      <p:cBhvr>
-                                        <p:cTn id="14" dur="1" fill="hold">
-                                          <p:stCondLst>
-                                            <p:cond delay="0"/>
-                                          </p:stCondLst>
-                                        </p:cTn>
-                                        <p:tgtEl>
-                                          <p:spTgt spid="3">
-                                            <p:txEl>
-                                              <p:pRg st="2" end="2"/>
-                                            </p:txEl>
-                                          </p:spTgt>
-                                        </p:tgtEl>
-                                        <p:attrNameLst>
-                                          <p:attrName>style.visibility</p:attrName>
-                                        </p:attrNameLst>
-                                      </p:cBhvr>
-                                      <p:to>
-                                        <p:strVal val="visible"/>
-                                      </p:to>
-                                    </p:set>
-                                  </p:childTnLst>
-                                </p:cTn>
-                              </p:par>
-                            </p:childTnLst>
-                          </p:cTn>
-                        </p:par>
-                      </p:childTnLst>
-                    </p:cTn>
-                  </p:par>
-                  <p:par>
-                    <p:cTn id="15" fill="hold">
-                      <p:stCondLst>
-                        <p:cond delay="indefinite"/>
-                      </p:stCondLst>
-                      <p:childTnLst>
-                        <p:par>
-                          <p:cTn id="16" fill="hold">
-                            <p:stCondLst>
-                              <p:cond delay="0"/>
-                            </p:stCondLst>
-                            <p:childTnLst>
-                              <p:par>
-                                <p:cTn id="17" presetID="1" presetClass="entr" presetSubtype="0" fill="hold" grpId="0" nodeType="clickEffect">
-                                  <p:stCondLst>
-                                    <p:cond delay="0"/>
-                                  </p:stCondLst>
-                                  <p:childTnLst>
-                                    <p:set>
-                                      <p:cBhvr>
-                                        <p:cTn id="18" dur="1" fill="hold">
-                                          <p:stCondLst>
-                                            <p:cond delay="0"/>
-                                          </p:stCondLst>
-                                        </p:cTn>
-                                        <p:tgtEl>
-                                          <p:spTgt spid="3">
-                                            <p:txEl>
-                                              <p:pRg st="3" end="3"/>
-                                            </p:txEl>
-                                          </p:spTgt>
-                                        </p:tgtEl>
-                                        <p:attrNameLst>
-                                          <p:attrName>style.visibility</p:attrName>
-                                        </p:attrNameLst>
-                                      </p:cBhvr>
-                                      <p:to>
-                                        <p:strVal val="visible"/>
-                                      </p:to>
-                                    </p:set>
-                                  </p:childTnLst>
-                                </p:cTn>
-                              </p:par>
-                            </p:childTnLst>
-                          </p:cTn>
-                        </p:par>
-                      </p:childTnLst>
-                    </p:cTn>
-                  </p:par>
-                  <p:par>
-                    <p:cTn id="19" fill="hold">
-                      <p:stCondLst>
-                        <p:cond delay="indefinite"/>
-                      </p:stCondLst>
-                      <p:childTnLst>
-                        <p:par>
-                          <p:cTn id="20" fill="hold">
-                            <p:stCondLst>
-                              <p:cond delay="0"/>
-                            </p:stCondLst>
-                            <p:childTnLst>
-                              <p:par>
-                                <p:cTn id="21" presetID="1" presetClass="entr" presetSubtype="0" fill="hold" grpId="0" nodeType="clickEffect">
-                                  <p:stCondLst>
-                                    <p:cond delay="0"/>
-                                  </p:stCondLst>
-                                  <p:childTnLst>
-                                    <p:set>
-                                      <p:cBhvr>
-                                        <p:cTn id="22" dur="1" fill="hold">
-                                          <p:stCondLst>
-                                            <p:cond delay="0"/>
-                                          </p:stCondLst>
-                                        </p:cTn>
-                                        <p:tgtEl>
-                                          <p:spTgt spid="3">
-                                            <p:txEl>
-                                              <p:pRg st="4" end="4"/>
-                                            </p:txEl>
-                                          </p:spTgt>
-                                        </p:tgtEl>
-                                        <p:attrNameLst>
-                                          <p:attrName>style.visibility</p:attrName>
-                                        </p:attrNameLst>
-                                      </p:cBhvr>
-                                      <p:to>
-                                        <p:strVal val="visible"/>
-                                      </p:to>
-                                    </p:set>
-                                  </p:childTnLst>
-                                </p:cTn>
-                              </p:par>
-                            </p:childTnLst>
-                          </p:cTn>
-                        </p:par>
-                      </p:childTnLst>
-                    </p:cTn>
-                  </p:par>
-                </p:childTnLst>
-              </p:cTn>
-              <p:prevCondLst>
-                <p:cond evt="onPrev" delay="0">
-                  <p:tgtEl>
-                    <p:sldTgt/>
-                  </p:tgtEl>
-                </p:cond>
-              </p:prevCondLst>
-              <p:nextCondLst>
-                <p:cond evt="onNext" delay="0">
-                  <p:tgtEl>
-                    <p:sldTgt/>
-                  </p:tgtEl>
-                </p:cond>
-              </p:nextCondLst>
-            </p:seq>
-          </p:childTnLst>
-        </p:cTn>
-      </p:par>
-    </p:tnLst>
-    <p:bldLst>
-      <p:bldP spid="3" grpId="0" build="p"/>
-    </p:bldLst>
-  </p:timing>
-</p:sld>
-</file>
-
-<file path=ppt/slides/slide21.xml><?xml version="1.0" encoding="utf-8"?>
 <p:sld xmlns:a="http://schemas.openxmlformats.org/drawingml/2006/main" xmlns:r="http://schemas.openxmlformats.org/officeDocument/2006/relationships" xmlns:p="http://schemas.openxmlformats.org/presentationml/2006/main">
   <p:cSld>
     <p:spTree>
@@ -10824,7 +10040,7 @@
 </p:sld>
 </file>
 
-<file path=ppt/slides/slide22.xml><?xml version="1.0" encoding="utf-8"?>
+<file path=ppt/slides/slide21.xml><?xml version="1.0" encoding="utf-8"?>
 <p:sld xmlns:a="http://schemas.openxmlformats.org/drawingml/2006/main" xmlns:r="http://schemas.openxmlformats.org/officeDocument/2006/relationships" xmlns:p="http://schemas.openxmlformats.org/presentationml/2006/main">
   <p:cSld>
     <p:spTree>
@@ -11201,7 +10417,7 @@
 </p:sld>
 </file>
 
-<file path=ppt/slides/slide23.xml><?xml version="1.0" encoding="utf-8"?>
+<file path=ppt/slides/slide22.xml><?xml version="1.0" encoding="utf-8"?>
 <p:sld xmlns:a="http://schemas.openxmlformats.org/drawingml/2006/main" xmlns:r="http://schemas.openxmlformats.org/officeDocument/2006/relationships" xmlns:p="http://schemas.openxmlformats.org/presentationml/2006/main">
   <p:cSld>
     <p:bg>
@@ -11591,7 +10807,7 @@
 </p:sld>
 </file>
 
-<file path=ppt/slides/slide24.xml><?xml version="1.0" encoding="utf-8"?>
+<file path=ppt/slides/slide23.xml><?xml version="1.0" encoding="utf-8"?>
 <p:sld xmlns:a="http://schemas.openxmlformats.org/drawingml/2006/main" xmlns:r="http://schemas.openxmlformats.org/officeDocument/2006/relationships" xmlns:p="http://schemas.openxmlformats.org/presentationml/2006/main">
   <p:cSld>
     <p:spTree>
@@ -13745,7 +12961,7 @@
 </p:sld>
 </file>
 
-<file path=ppt/slides/slide25.xml><?xml version="1.0" encoding="utf-8"?>
+<file path=ppt/slides/slide24.xml><?xml version="1.0" encoding="utf-8"?>
 <p:sld xmlns:a="http://schemas.openxmlformats.org/drawingml/2006/main" xmlns:r="http://schemas.openxmlformats.org/officeDocument/2006/relationships" xmlns:p="http://schemas.openxmlformats.org/presentationml/2006/main">
   <p:cSld>
     <p:spTree>
@@ -14607,7 +13823,7 @@
 </p:sld>
 </file>
 
-<file path=ppt/slides/slide26.xml><?xml version="1.0" encoding="utf-8"?>
+<file path=ppt/slides/slide25.xml><?xml version="1.0" encoding="utf-8"?>
 <p:sld xmlns:a="http://schemas.openxmlformats.org/drawingml/2006/main" xmlns:r="http://schemas.openxmlformats.org/officeDocument/2006/relationships" xmlns:p="http://schemas.openxmlformats.org/presentationml/2006/main">
   <p:cSld>
     <p:spTree>
@@ -15376,7 +14592,7 @@
 </p:sld>
 </file>
 
-<file path=ppt/slides/slide27.xml><?xml version="1.0" encoding="utf-8"?>
+<file path=ppt/slides/slide26.xml><?xml version="1.0" encoding="utf-8"?>
 <p:sld xmlns:a="http://schemas.openxmlformats.org/drawingml/2006/main" xmlns:r="http://schemas.openxmlformats.org/officeDocument/2006/relationships" xmlns:p="http://schemas.openxmlformats.org/presentationml/2006/main">
   <p:cSld>
     <p:spTree>
@@ -16061,7 +15277,7 @@
 </p:sld>
 </file>
 
-<file path=ppt/slides/slide28.xml><?xml version="1.0" encoding="utf-8"?>
+<file path=ppt/slides/slide27.xml><?xml version="1.0" encoding="utf-8"?>
 <p:sld xmlns:a="http://schemas.openxmlformats.org/drawingml/2006/main" xmlns:r="http://schemas.openxmlformats.org/officeDocument/2006/relationships" xmlns:p="http://schemas.openxmlformats.org/presentationml/2006/main">
   <p:cSld>
     <p:spTree>
@@ -17008,7 +16224,7 @@
 </p:sld>
 </file>
 
-<file path=ppt/slides/slide29.xml><?xml version="1.0" encoding="utf-8"?>
+<file path=ppt/slides/slide28.xml><?xml version="1.0" encoding="utf-8"?>
 <p:sld xmlns:a="http://schemas.openxmlformats.org/drawingml/2006/main" xmlns:r="http://schemas.openxmlformats.org/officeDocument/2006/relationships" xmlns:p="http://schemas.openxmlformats.org/presentationml/2006/main">
   <p:cSld>
     <p:spTree>
@@ -17951,1151 +17167,7 @@
 </p:sld>
 </file>
 
-<file path=ppt/slides/slide3.xml><?xml version="1.0" encoding="utf-8"?>
-<p:sld xmlns:a="http://schemas.openxmlformats.org/drawingml/2006/main" xmlns:r="http://schemas.openxmlformats.org/officeDocument/2006/relationships" xmlns:p="http://schemas.openxmlformats.org/presentationml/2006/main">
-  <p:cSld>
-    <p:spTree>
-      <p:nvGrpSpPr>
-        <p:cNvPr id="1" name=""/>
-        <p:cNvGrpSpPr/>
-        <p:nvPr/>
-      </p:nvGrpSpPr>
-      <p:grpSpPr>
-        <a:xfrm>
-          <a:off x="0" y="0"/>
-          <a:ext cx="0" cy="0"/>
-          <a:chOff x="0" y="0"/>
-          <a:chExt cx="0" cy="0"/>
-        </a:xfrm>
-      </p:grpSpPr>
-      <p:sp>
-        <p:nvSpPr>
-          <p:cNvPr id="2" name="Title 1">
-            <a:extLst>
-              <a:ext uri="{FF2B5EF4-FFF2-40B4-BE49-F238E27FC236}">
-                <a16:creationId xmlns:a16="http://schemas.microsoft.com/office/drawing/2014/main" id="{6FF5F3AC-3906-45F5-A6E9-9B527DEB4159}"/>
-              </a:ext>
-            </a:extLst>
-          </p:cNvPr>
-          <p:cNvSpPr>
-            <a:spLocks noGrp="1"/>
-          </p:cNvSpPr>
-          <p:nvPr>
-            <p:ph type="title"/>
-          </p:nvPr>
-        </p:nvSpPr>
-        <p:spPr/>
-        <p:txBody>
-          <a:bodyPr/>
-          <a:lstStyle/>
-          <a:p>
-            <a:r>
-              <a:rPr lang="en-GB" dirty="0"/>
-              <a:t>Silly Old Harry Caught A Herring</a:t>
-            </a:r>
-            <a:br>
-              <a:rPr lang="en-GB" dirty="0"/>
-            </a:br>
-            <a:r>
-              <a:rPr lang="en-GB" dirty="0"/>
-              <a:t>Trawling Off America</a:t>
-            </a:r>
-          </a:p>
-        </p:txBody>
-      </p:sp>
-      <mc:AlternateContent xmlns:mc="http://schemas.openxmlformats.org/markup-compatibility/2006" xmlns:a14="http://schemas.microsoft.com/office/drawing/2010/main">
-        <mc:Choice Requires="a14">
-          <p:sp>
-            <p:nvSpPr>
-              <p:cNvPr id="3" name="Content Placeholder 2">
-                <a:extLst>
-                  <a:ext uri="{FF2B5EF4-FFF2-40B4-BE49-F238E27FC236}">
-                    <a16:creationId xmlns:a16="http://schemas.microsoft.com/office/drawing/2014/main" id="{CC779C37-512F-4D22-87B1-819DD4F5DADC}"/>
-                  </a:ext>
-                </a:extLst>
-              </p:cNvPr>
-              <p:cNvSpPr>
-                <a:spLocks noGrp="1"/>
-              </p:cNvSpPr>
-              <p:nvPr>
-                <p:ph idx="1"/>
-              </p:nvPr>
-            </p:nvSpPr>
-            <p:spPr>
-              <a:xfrm>
-                <a:off x="1097279" y="2108201"/>
-                <a:ext cx="5609641" cy="3760891"/>
-              </a:xfrm>
-            </p:spPr>
-            <p:txBody>
-              <a:bodyPr>
-                <a:normAutofit fontScale="92500" lnSpcReduction="20000"/>
-              </a:bodyPr>
-              <a:lstStyle/>
-              <a:p>
-                <a:pPr marL="0" indent="0">
-                  <a:buNone/>
-                </a:pPr>
-                <a14:m>
-                  <m:oMathPara xmlns:m="http://schemas.openxmlformats.org/officeDocument/2006/math">
-                    <m:oMathParaPr>
-                      <m:jc m:val="centerGroup"/>
-                    </m:oMathParaPr>
-                    <m:oMath xmlns:m="http://schemas.openxmlformats.org/officeDocument/2006/math">
-                      <m:func>
-                        <m:funcPr>
-                          <m:ctrlPr>
-                            <a:rPr lang="en-GB" i="1">
-                              <a:latin typeface="Cambria Math" panose="02040503050406030204" pitchFamily="18" charset="0"/>
-                            </a:rPr>
-                          </m:ctrlPr>
-                        </m:funcPr>
-                        <m:fName>
-                          <m:r>
-                            <m:rPr>
-                              <m:sty m:val="p"/>
-                            </m:rPr>
-                            <a:rPr lang="en-GB">
-                              <a:latin typeface="Cambria Math" panose="02040503050406030204" pitchFamily="18" charset="0"/>
-                            </a:rPr>
-                            <m:t>sin</m:t>
-                          </m:r>
-                        </m:fName>
-                        <m:e>
-                          <m:r>
-                            <a:rPr lang="en-GB" i="1">
-                              <a:latin typeface="Cambria Math" panose="02040503050406030204" pitchFamily="18" charset="0"/>
-                            </a:rPr>
-                            <m:t>𝜃</m:t>
-                          </m:r>
-                        </m:e>
-                      </m:func>
-                      <m:r>
-                        <a:rPr lang="en-GB" i="1">
-                          <a:latin typeface="Cambria Math" panose="02040503050406030204" pitchFamily="18" charset="0"/>
-                        </a:rPr>
-                        <m:t>=</m:t>
-                      </m:r>
-                      <m:f>
-                        <m:fPr>
-                          <m:ctrlPr>
-                            <a:rPr lang="en-GB" i="1">
-                              <a:latin typeface="Cambria Math" panose="02040503050406030204" pitchFamily="18" charset="0"/>
-                            </a:rPr>
-                          </m:ctrlPr>
-                        </m:fPr>
-                        <m:num>
-                          <m:r>
-                            <m:rPr>
-                              <m:nor/>
-                            </m:rPr>
-                            <a:rPr lang="en-GB" b="0" i="0" smtClean="0">
-                              <a:latin typeface="Cambria Math" panose="02040503050406030204" pitchFamily="18" charset="0"/>
-                            </a:rPr>
-                            <m:t>Opposite</m:t>
-                          </m:r>
-                        </m:num>
-                        <m:den>
-                          <m:r>
-                            <m:rPr>
-                              <m:nor/>
-                            </m:rPr>
-                            <a:rPr lang="en-GB" i="0" smtClean="0">
-                              <a:latin typeface="Cambria Math" panose="02040503050406030204" pitchFamily="18" charset="0"/>
-                            </a:rPr>
-                            <m:t>H</m:t>
-                          </m:r>
-                          <m:r>
-                            <m:rPr>
-                              <m:nor/>
-                            </m:rPr>
-                            <a:rPr lang="en-GB" b="0" i="0" smtClean="0">
-                              <a:latin typeface="Cambria Math" panose="02040503050406030204" pitchFamily="18" charset="0"/>
-                            </a:rPr>
-                            <m:t>ypotenuse</m:t>
-                          </m:r>
-                        </m:den>
-                      </m:f>
-                    </m:oMath>
-                  </m:oMathPara>
-                </a14:m>
-                <a:endParaRPr lang="en-GB" dirty="0"/>
-              </a:p>
-              <a:p>
-                <a:pPr marL="0" indent="0">
-                  <a:buNone/>
-                </a:pPr>
-                <a14:m>
-                  <m:oMathPara xmlns:m="http://schemas.openxmlformats.org/officeDocument/2006/math">
-                    <m:oMathParaPr>
-                      <m:jc m:val="centerGroup"/>
-                    </m:oMathParaPr>
-                    <m:oMath xmlns:m="http://schemas.openxmlformats.org/officeDocument/2006/math">
-                      <m:func>
-                        <m:funcPr>
-                          <m:ctrlPr>
-                            <a:rPr lang="en-GB" i="1">
-                              <a:latin typeface="Cambria Math" panose="02040503050406030204" pitchFamily="18" charset="0"/>
-                            </a:rPr>
-                          </m:ctrlPr>
-                        </m:funcPr>
-                        <m:fName>
-                          <m:r>
-                            <m:rPr>
-                              <m:sty m:val="p"/>
-                            </m:rPr>
-                            <a:rPr lang="en-GB" b="0" i="0" smtClean="0">
-                              <a:latin typeface="Cambria Math" panose="02040503050406030204" pitchFamily="18" charset="0"/>
-                            </a:rPr>
-                            <m:t>cos</m:t>
-                          </m:r>
-                        </m:fName>
-                        <m:e>
-                          <m:r>
-                            <a:rPr lang="en-GB" i="1">
-                              <a:latin typeface="Cambria Math" panose="02040503050406030204" pitchFamily="18" charset="0"/>
-                            </a:rPr>
-                            <m:t>𝜃</m:t>
-                          </m:r>
-                        </m:e>
-                      </m:func>
-                      <m:r>
-                        <a:rPr lang="en-GB" i="1">
-                          <a:latin typeface="Cambria Math" panose="02040503050406030204" pitchFamily="18" charset="0"/>
-                        </a:rPr>
-                        <m:t>=</m:t>
-                      </m:r>
-                      <m:f>
-                        <m:fPr>
-                          <m:ctrlPr>
-                            <a:rPr lang="en-GB" i="1">
-                              <a:latin typeface="Cambria Math" panose="02040503050406030204" pitchFamily="18" charset="0"/>
-                            </a:rPr>
-                          </m:ctrlPr>
-                        </m:fPr>
-                        <m:num>
-                          <m:r>
-                            <m:rPr>
-                              <m:nor/>
-                            </m:rPr>
-                            <a:rPr lang="en-GB" b="0" i="0" smtClean="0">
-                              <a:latin typeface="Cambria Math" panose="02040503050406030204" pitchFamily="18" charset="0"/>
-                            </a:rPr>
-                            <m:t>Adjacent</m:t>
-                          </m:r>
-                        </m:num>
-                        <m:den>
-                          <m:r>
-                            <m:rPr>
-                              <m:nor/>
-                            </m:rPr>
-                            <a:rPr lang="en-GB" i="0" smtClean="0">
-                              <a:latin typeface="Cambria Math" panose="02040503050406030204" pitchFamily="18" charset="0"/>
-                            </a:rPr>
-                            <m:t>H</m:t>
-                          </m:r>
-                          <m:r>
-                            <m:rPr>
-                              <m:nor/>
-                            </m:rPr>
-                            <a:rPr lang="en-GB" b="0" i="0" smtClean="0">
-                              <a:latin typeface="Cambria Math" panose="02040503050406030204" pitchFamily="18" charset="0"/>
-                            </a:rPr>
-                            <m:t>ypotenuse</m:t>
-                          </m:r>
-                        </m:den>
-                      </m:f>
-                    </m:oMath>
-                  </m:oMathPara>
-                </a14:m>
-                <a:endParaRPr lang="en-GB" dirty="0"/>
-              </a:p>
-              <a:p>
-                <a:pPr marL="0" indent="0">
-                  <a:buNone/>
-                </a:pPr>
-                <a14:m>
-                  <m:oMathPara xmlns:m="http://schemas.openxmlformats.org/officeDocument/2006/math">
-                    <m:oMathParaPr>
-                      <m:jc m:val="centerGroup"/>
-                    </m:oMathParaPr>
-                    <m:oMath xmlns:m="http://schemas.openxmlformats.org/officeDocument/2006/math">
-                      <m:func>
-                        <m:funcPr>
-                          <m:ctrlPr>
-                            <a:rPr lang="en-GB" i="1">
-                              <a:latin typeface="Cambria Math" panose="02040503050406030204" pitchFamily="18" charset="0"/>
-                            </a:rPr>
-                          </m:ctrlPr>
-                        </m:funcPr>
-                        <m:fName>
-                          <m:r>
-                            <m:rPr>
-                              <m:sty m:val="p"/>
-                            </m:rPr>
-                            <a:rPr lang="en-GB" b="0" i="0" smtClean="0">
-                              <a:latin typeface="Cambria Math" panose="02040503050406030204" pitchFamily="18" charset="0"/>
-                            </a:rPr>
-                            <m:t>tan</m:t>
-                          </m:r>
-                        </m:fName>
-                        <m:e>
-                          <m:r>
-                            <a:rPr lang="en-GB" i="1">
-                              <a:latin typeface="Cambria Math" panose="02040503050406030204" pitchFamily="18" charset="0"/>
-                            </a:rPr>
-                            <m:t>𝜃</m:t>
-                          </m:r>
-                        </m:e>
-                      </m:func>
-                      <m:r>
-                        <a:rPr lang="en-GB" i="1">
-                          <a:latin typeface="Cambria Math" panose="02040503050406030204" pitchFamily="18" charset="0"/>
-                        </a:rPr>
-                        <m:t>=</m:t>
-                      </m:r>
-                      <m:f>
-                        <m:fPr>
-                          <m:ctrlPr>
-                            <a:rPr lang="en-GB" i="1">
-                              <a:latin typeface="Cambria Math" panose="02040503050406030204" pitchFamily="18" charset="0"/>
-                            </a:rPr>
-                          </m:ctrlPr>
-                        </m:fPr>
-                        <m:num>
-                          <m:r>
-                            <m:rPr>
-                              <m:nor/>
-                            </m:rPr>
-                            <a:rPr lang="en-GB" b="0" i="0" smtClean="0">
-                              <a:latin typeface="Cambria Math" panose="02040503050406030204" pitchFamily="18" charset="0"/>
-                            </a:rPr>
-                            <m:t>Opposite</m:t>
-                          </m:r>
-                        </m:num>
-                        <m:den>
-                          <m:r>
-                            <m:rPr>
-                              <m:nor/>
-                            </m:rPr>
-                            <a:rPr lang="en-GB" b="0" i="0" smtClean="0">
-                              <a:latin typeface="Cambria Math" panose="02040503050406030204" pitchFamily="18" charset="0"/>
-                            </a:rPr>
-                            <m:t>Adjacent</m:t>
-                          </m:r>
-                        </m:den>
-                      </m:f>
-                    </m:oMath>
-                  </m:oMathPara>
-                </a14:m>
-                <a:endParaRPr lang="en-GB" dirty="0"/>
-              </a:p>
-              <a:p>
-                <a:r>
-                  <a:rPr lang="en-GB" dirty="0"/>
-                  <a:t>Therefore</a:t>
-                </a:r>
-                <a:br>
-                  <a:rPr lang="en-GB" dirty="0"/>
-                </a:br>
-                <a14:m>
-                  <m:oMath xmlns:m="http://schemas.openxmlformats.org/officeDocument/2006/math">
-                    <m:func>
-                      <m:funcPr>
-                        <m:ctrlPr>
-                          <a:rPr lang="en-GB" i="1">
-                            <a:latin typeface="Cambria Math" panose="02040503050406030204" pitchFamily="18" charset="0"/>
-                          </a:rPr>
-                        </m:ctrlPr>
-                      </m:funcPr>
-                      <m:fName>
-                        <m:r>
-                          <m:rPr>
-                            <m:sty m:val="p"/>
-                          </m:rPr>
-                          <a:rPr lang="en-GB">
-                            <a:latin typeface="Cambria Math" panose="02040503050406030204" pitchFamily="18" charset="0"/>
-                          </a:rPr>
-                          <m:t>tan</m:t>
-                        </m:r>
-                      </m:fName>
-                      <m:e>
-                        <m:r>
-                          <a:rPr lang="en-GB" i="1">
-                            <a:latin typeface="Cambria Math" panose="02040503050406030204" pitchFamily="18" charset="0"/>
-                          </a:rPr>
-                          <m:t>𝜃</m:t>
-                        </m:r>
-                      </m:e>
-                    </m:func>
-                    <m:r>
-                      <a:rPr lang="en-GB" b="0" i="1" smtClean="0">
-                        <a:latin typeface="Cambria Math" panose="02040503050406030204" pitchFamily="18" charset="0"/>
-                      </a:rPr>
-                      <m:t>=</m:t>
-                    </m:r>
-                    <m:f>
-                      <m:fPr>
-                        <m:ctrlPr>
-                          <a:rPr lang="en-GB" i="1" smtClean="0">
-                            <a:latin typeface="Cambria Math" panose="02040503050406030204" pitchFamily="18" charset="0"/>
-                          </a:rPr>
-                        </m:ctrlPr>
-                      </m:fPr>
-                      <m:num>
-                        <m:func>
-                          <m:funcPr>
-                            <m:ctrlPr>
-                              <a:rPr lang="en-GB" b="0" i="1" smtClean="0">
-                                <a:latin typeface="Cambria Math" panose="02040503050406030204" pitchFamily="18" charset="0"/>
-                              </a:rPr>
-                            </m:ctrlPr>
-                          </m:funcPr>
-                          <m:fName>
-                            <m:r>
-                              <m:rPr>
-                                <m:sty m:val="p"/>
-                              </m:rPr>
-                              <a:rPr lang="en-GB" b="0" i="0" smtClean="0">
-                                <a:latin typeface="Cambria Math" panose="02040503050406030204" pitchFamily="18" charset="0"/>
-                              </a:rPr>
-                              <m:t>sin</m:t>
-                            </m:r>
-                          </m:fName>
-                          <m:e>
-                            <m:r>
-                              <a:rPr lang="en-GB" b="0" i="1" smtClean="0">
-                                <a:latin typeface="Cambria Math" panose="02040503050406030204" pitchFamily="18" charset="0"/>
-                              </a:rPr>
-                              <m:t>𝜃</m:t>
-                            </m:r>
-                          </m:e>
-                        </m:func>
-                      </m:num>
-                      <m:den>
-                        <m:func>
-                          <m:funcPr>
-                            <m:ctrlPr>
-                              <a:rPr lang="en-GB" b="0" i="1" smtClean="0">
-                                <a:latin typeface="Cambria Math" panose="02040503050406030204" pitchFamily="18" charset="0"/>
-                              </a:rPr>
-                            </m:ctrlPr>
-                          </m:funcPr>
-                          <m:fName>
-                            <m:r>
-                              <m:rPr>
-                                <m:sty m:val="p"/>
-                              </m:rPr>
-                              <a:rPr lang="en-GB" b="0" i="0" smtClean="0">
-                                <a:latin typeface="Cambria Math" panose="02040503050406030204" pitchFamily="18" charset="0"/>
-                              </a:rPr>
-                              <m:t>cos</m:t>
-                            </m:r>
-                          </m:fName>
-                          <m:e>
-                            <m:r>
-                              <a:rPr lang="en-GB" b="0" i="1" smtClean="0">
-                                <a:latin typeface="Cambria Math" panose="02040503050406030204" pitchFamily="18" charset="0"/>
-                              </a:rPr>
-                              <m:t>𝜃</m:t>
-                            </m:r>
-                          </m:e>
-                        </m:func>
-                      </m:den>
-                    </m:f>
-                  </m:oMath>
-                </a14:m>
-                <a:endParaRPr lang="en-GB" dirty="0"/>
-              </a:p>
-            </p:txBody>
-          </p:sp>
-        </mc:Choice>
-        <mc:Fallback xmlns="">
-          <p:sp>
-            <p:nvSpPr>
-              <p:cNvPr id="3" name="Content Placeholder 2">
-                <a:extLst>
-                  <a:ext uri="{FF2B5EF4-FFF2-40B4-BE49-F238E27FC236}">
-                    <a16:creationId xmlns:a16="http://schemas.microsoft.com/office/drawing/2014/main" id="{CC779C37-512F-4D22-87B1-819DD4F5DADC}"/>
-                  </a:ext>
-                </a:extLst>
-              </p:cNvPr>
-              <p:cNvSpPr>
-                <a:spLocks noGrp="1" noRot="1" noChangeAspect="1" noMove="1" noResize="1" noEditPoints="1" noAdjustHandles="1" noChangeArrowheads="1" noChangeShapeType="1" noTextEdit="1"/>
-              </p:cNvSpPr>
-              <p:nvPr>
-                <p:ph idx="1"/>
-              </p:nvPr>
-            </p:nvSpPr>
-            <p:spPr>
-              <a:xfrm>
-                <a:off x="1097279" y="2108201"/>
-                <a:ext cx="5609641" cy="3760891"/>
-              </a:xfrm>
-              <a:blipFill>
-                <a:blip r:embed="rId2"/>
-                <a:stretch>
-                  <a:fillRect l="-3261"/>
-                </a:stretch>
-              </a:blipFill>
-            </p:spPr>
-            <p:txBody>
-              <a:bodyPr/>
-              <a:lstStyle/>
-              <a:p>
-                <a:r>
-                  <a:rPr lang="en-GB">
-                    <a:noFill/>
-                  </a:rPr>
-                  <a:t> </a:t>
-                </a:r>
-              </a:p>
-            </p:txBody>
-          </p:sp>
-        </mc:Fallback>
-      </mc:AlternateContent>
-      <p:cxnSp>
-        <p:nvCxnSpPr>
-          <p:cNvPr id="5" name="Straight Arrow Connector 4">
-            <a:extLst>
-              <a:ext uri="{FF2B5EF4-FFF2-40B4-BE49-F238E27FC236}">
-                <a16:creationId xmlns:a16="http://schemas.microsoft.com/office/drawing/2014/main" id="{C00DDB13-8580-47C5-B9C8-98FCD3E3A2F4}"/>
-              </a:ext>
-            </a:extLst>
-          </p:cNvPr>
-          <p:cNvCxnSpPr/>
-          <p:nvPr/>
-        </p:nvCxnSpPr>
-        <p:spPr>
-          <a:xfrm flipV="1">
-            <a:off x="7740595" y="2588150"/>
-            <a:ext cx="1948069" cy="2270097"/>
-          </a:xfrm>
-          <a:prstGeom prst="straightConnector1">
-            <a:avLst/>
-          </a:prstGeom>
-        </p:spPr>
-        <p:style>
-          <a:lnRef idx="1">
-            <a:schemeClr val="accent1"/>
-          </a:lnRef>
-          <a:fillRef idx="0">
-            <a:schemeClr val="accent1"/>
-          </a:fillRef>
-          <a:effectRef idx="0">
-            <a:schemeClr val="accent1"/>
-          </a:effectRef>
-          <a:fontRef idx="minor">
-            <a:schemeClr val="tx1"/>
-          </a:fontRef>
-        </p:style>
-      </p:cxnSp>
-      <p:sp>
-        <p:nvSpPr>
-          <p:cNvPr id="7" name="TextBox 6">
-            <a:extLst>
-              <a:ext uri="{FF2B5EF4-FFF2-40B4-BE49-F238E27FC236}">
-                <a16:creationId xmlns:a16="http://schemas.microsoft.com/office/drawing/2014/main" id="{3D8B9270-D76B-4A7D-9C18-A4BABF2E8D6D}"/>
-              </a:ext>
-            </a:extLst>
-          </p:cNvPr>
-          <p:cNvSpPr txBox="1"/>
-          <p:nvPr/>
-        </p:nvSpPr>
-        <p:spPr>
-          <a:xfrm>
-            <a:off x="8621909" y="4802395"/>
-            <a:ext cx="1008096" cy="369332"/>
-          </a:xfrm>
-          <a:prstGeom prst="rect">
-            <a:avLst/>
-          </a:prstGeom>
-          <a:noFill/>
-        </p:spPr>
-        <p:txBody>
-          <a:bodyPr wrap="none" rtlCol="0">
-            <a:spAutoFit/>
-          </a:bodyPr>
-          <a:lstStyle/>
-          <a:p>
-            <a:r>
-              <a:rPr lang="en-GB" dirty="0"/>
-              <a:t>Adjacent</a:t>
-            </a:r>
-          </a:p>
-        </p:txBody>
-      </p:sp>
-      <p:sp>
-        <p:nvSpPr>
-          <p:cNvPr id="9" name="TextBox 8">
-            <a:extLst>
-              <a:ext uri="{FF2B5EF4-FFF2-40B4-BE49-F238E27FC236}">
-                <a16:creationId xmlns:a16="http://schemas.microsoft.com/office/drawing/2014/main" id="{CB34924C-8421-45C6-8510-29A1C25A16BC}"/>
-              </a:ext>
-            </a:extLst>
-          </p:cNvPr>
-          <p:cNvSpPr txBox="1"/>
-          <p:nvPr/>
-        </p:nvSpPr>
-        <p:spPr>
-          <a:xfrm>
-            <a:off x="9695223" y="3619314"/>
-            <a:ext cx="1034963" cy="369332"/>
-          </a:xfrm>
-          <a:prstGeom prst="rect">
-            <a:avLst/>
-          </a:prstGeom>
-          <a:noFill/>
-        </p:spPr>
-        <p:txBody>
-          <a:bodyPr wrap="none" rtlCol="0">
-            <a:spAutoFit/>
-          </a:bodyPr>
-          <a:lstStyle/>
-          <a:p>
-            <a:r>
-              <a:rPr lang="en-GB" dirty="0"/>
-              <a:t>Opposite</a:t>
-            </a:r>
-          </a:p>
-        </p:txBody>
-      </p:sp>
-      <p:cxnSp>
-        <p:nvCxnSpPr>
-          <p:cNvPr id="15" name="Straight Connector 14">
-            <a:extLst>
-              <a:ext uri="{FF2B5EF4-FFF2-40B4-BE49-F238E27FC236}">
-                <a16:creationId xmlns:a16="http://schemas.microsoft.com/office/drawing/2014/main" id="{19084B4D-4DB6-4D32-82AD-3D1951B42F5C}"/>
-              </a:ext>
-            </a:extLst>
-          </p:cNvPr>
-          <p:cNvCxnSpPr/>
-          <p:nvPr/>
-        </p:nvCxnSpPr>
-        <p:spPr>
-          <a:xfrm>
-            <a:off x="9688664" y="2588150"/>
-            <a:ext cx="0" cy="2270097"/>
-          </a:xfrm>
-          <a:prstGeom prst="line">
-            <a:avLst/>
-          </a:prstGeom>
-        </p:spPr>
-        <p:style>
-          <a:lnRef idx="1">
-            <a:schemeClr val="accent1"/>
-          </a:lnRef>
-          <a:fillRef idx="0">
-            <a:schemeClr val="accent1"/>
-          </a:fillRef>
-          <a:effectRef idx="0">
-            <a:schemeClr val="accent1"/>
-          </a:effectRef>
-          <a:fontRef idx="minor">
-            <a:schemeClr val="tx1"/>
-          </a:fontRef>
-        </p:style>
-      </p:cxnSp>
-      <p:cxnSp>
-        <p:nvCxnSpPr>
-          <p:cNvPr id="17" name="Straight Connector 16">
-            <a:extLst>
-              <a:ext uri="{FF2B5EF4-FFF2-40B4-BE49-F238E27FC236}">
-                <a16:creationId xmlns:a16="http://schemas.microsoft.com/office/drawing/2014/main" id="{8B6CF29E-315F-4E2D-A319-8634F07DF218}"/>
-              </a:ext>
-            </a:extLst>
-          </p:cNvPr>
-          <p:cNvCxnSpPr/>
-          <p:nvPr/>
-        </p:nvCxnSpPr>
-        <p:spPr>
-          <a:xfrm>
-            <a:off x="7740595" y="4858247"/>
-            <a:ext cx="1948069" cy="0"/>
-          </a:xfrm>
-          <a:prstGeom prst="line">
-            <a:avLst/>
-          </a:prstGeom>
-        </p:spPr>
-        <p:style>
-          <a:lnRef idx="1">
-            <a:schemeClr val="accent1"/>
-          </a:lnRef>
-          <a:fillRef idx="0">
-            <a:schemeClr val="accent1"/>
-          </a:fillRef>
-          <a:effectRef idx="0">
-            <a:schemeClr val="accent1"/>
-          </a:effectRef>
-          <a:fontRef idx="minor">
-            <a:schemeClr val="tx1"/>
-          </a:fontRef>
-        </p:style>
-      </p:cxnSp>
-      <p:sp>
-        <p:nvSpPr>
-          <p:cNvPr id="18" name="Rectangle 17">
-            <a:extLst>
-              <a:ext uri="{FF2B5EF4-FFF2-40B4-BE49-F238E27FC236}">
-                <a16:creationId xmlns:a16="http://schemas.microsoft.com/office/drawing/2014/main" id="{A27FFB21-4C3F-4B02-B60A-C57E95CA9350}"/>
-              </a:ext>
-            </a:extLst>
-          </p:cNvPr>
-          <p:cNvSpPr/>
-          <p:nvPr/>
-        </p:nvSpPr>
-        <p:spPr>
-          <a:xfrm>
-            <a:off x="9401406" y="4558560"/>
-            <a:ext cx="287258" cy="299687"/>
-          </a:xfrm>
-          <a:prstGeom prst="rect">
-            <a:avLst/>
-          </a:prstGeom>
-        </p:spPr>
-        <p:style>
-          <a:lnRef idx="2">
-            <a:schemeClr val="accent1"/>
-          </a:lnRef>
-          <a:fillRef idx="1">
-            <a:schemeClr val="lt1"/>
-          </a:fillRef>
-          <a:effectRef idx="0">
-            <a:schemeClr val="accent1"/>
-          </a:effectRef>
-          <a:fontRef idx="minor">
-            <a:schemeClr val="dk1"/>
-          </a:fontRef>
-        </p:style>
-        <p:txBody>
-          <a:bodyPr rtlCol="0" anchor="ctr"/>
-          <a:lstStyle/>
-          <a:p>
-            <a:pPr algn="ctr"/>
-            <a:endParaRPr lang="en-GB"/>
-          </a:p>
-        </p:txBody>
-      </p:sp>
-      <p:sp>
-        <p:nvSpPr>
-          <p:cNvPr id="19" name="Arc 18">
-            <a:extLst>
-              <a:ext uri="{FF2B5EF4-FFF2-40B4-BE49-F238E27FC236}">
-                <a16:creationId xmlns:a16="http://schemas.microsoft.com/office/drawing/2014/main" id="{25D0A40A-8E8B-4F8E-BAFE-633B6F0BEC18}"/>
-              </a:ext>
-            </a:extLst>
-          </p:cNvPr>
-          <p:cNvSpPr/>
-          <p:nvPr/>
-        </p:nvSpPr>
-        <p:spPr>
-          <a:xfrm>
-            <a:off x="7283394" y="4401047"/>
-            <a:ext cx="914400" cy="914400"/>
-          </a:xfrm>
-          <a:prstGeom prst="arc">
-            <a:avLst>
-              <a:gd name="adj1" fmla="val 18552426"/>
-              <a:gd name="adj2" fmla="val 0"/>
-            </a:avLst>
-          </a:prstGeom>
-        </p:spPr>
-        <p:style>
-          <a:lnRef idx="1">
-            <a:schemeClr val="accent1"/>
-          </a:lnRef>
-          <a:fillRef idx="0">
-            <a:schemeClr val="accent1"/>
-          </a:fillRef>
-          <a:effectRef idx="0">
-            <a:schemeClr val="accent1"/>
-          </a:effectRef>
-          <a:fontRef idx="minor">
-            <a:schemeClr val="tx1"/>
-          </a:fontRef>
-        </p:style>
-        <p:txBody>
-          <a:bodyPr rtlCol="0" anchor="ctr"/>
-          <a:lstStyle/>
-          <a:p>
-            <a:pPr algn="ctr"/>
-            <a:endParaRPr lang="en-GB"/>
-          </a:p>
-        </p:txBody>
-      </p:sp>
-      <mc:AlternateContent xmlns:mc="http://schemas.openxmlformats.org/markup-compatibility/2006" xmlns:a14="http://schemas.microsoft.com/office/drawing/2010/main">
-        <mc:Choice Requires="a14">
-          <p:sp>
-            <p:nvSpPr>
-              <p:cNvPr id="20" name="TextBox 19">
-                <a:extLst>
-                  <a:ext uri="{FF2B5EF4-FFF2-40B4-BE49-F238E27FC236}">
-                    <a16:creationId xmlns:a16="http://schemas.microsoft.com/office/drawing/2014/main" id="{AFFAFEB9-EF93-4837-BA06-BA7F39E29C38}"/>
-                  </a:ext>
-                </a:extLst>
-              </p:cNvPr>
-              <p:cNvSpPr txBox="1"/>
-              <p:nvPr/>
-            </p:nvSpPr>
-            <p:spPr>
-              <a:xfrm>
-                <a:off x="8137612" y="4444981"/>
-                <a:ext cx="374141" cy="369332"/>
-              </a:xfrm>
-              <a:prstGeom prst="rect">
-                <a:avLst/>
-              </a:prstGeom>
-              <a:noFill/>
-            </p:spPr>
-            <p:txBody>
-              <a:bodyPr wrap="none" rtlCol="0">
-                <a:spAutoFit/>
-              </a:bodyPr>
-              <a:lstStyle/>
-              <a:p>
-                <a:pPr/>
-                <a14:m>
-                  <m:oMathPara xmlns:m="http://schemas.openxmlformats.org/officeDocument/2006/math">
-                    <m:oMathParaPr>
-                      <m:jc m:val="centerGroup"/>
-                    </m:oMathParaPr>
-                    <m:oMath xmlns:m="http://schemas.openxmlformats.org/officeDocument/2006/math">
-                      <m:r>
-                        <a:rPr lang="en-GB" b="0" i="1" dirty="0" smtClean="0">
-                          <a:latin typeface="Cambria Math" panose="02040503050406030204" pitchFamily="18" charset="0"/>
-                        </a:rPr>
-                        <m:t>𝜃</m:t>
-                      </m:r>
-                    </m:oMath>
-                  </m:oMathPara>
-                </a14:m>
-                <a:endParaRPr lang="en-GB" i="1" dirty="0"/>
-              </a:p>
-            </p:txBody>
-          </p:sp>
-        </mc:Choice>
-        <mc:Fallback xmlns="">
-          <p:sp>
-            <p:nvSpPr>
-              <p:cNvPr id="20" name="TextBox 19">
-                <a:extLst>
-                  <a:ext uri="{FF2B5EF4-FFF2-40B4-BE49-F238E27FC236}">
-                    <a16:creationId xmlns:a16="http://schemas.microsoft.com/office/drawing/2014/main" id="{AFFAFEB9-EF93-4837-BA06-BA7F39E29C38}"/>
-                  </a:ext>
-                </a:extLst>
-              </p:cNvPr>
-              <p:cNvSpPr txBox="1">
-                <a:spLocks noRot="1" noChangeAspect="1" noMove="1" noResize="1" noEditPoints="1" noAdjustHandles="1" noChangeArrowheads="1" noChangeShapeType="1" noTextEdit="1"/>
-              </p:cNvSpPr>
-              <p:nvPr/>
-            </p:nvSpPr>
-            <p:spPr>
-              <a:xfrm>
-                <a:off x="8137612" y="4444981"/>
-                <a:ext cx="374141" cy="369332"/>
-              </a:xfrm>
-              <a:prstGeom prst="rect">
-                <a:avLst/>
-              </a:prstGeom>
-              <a:blipFill>
-                <a:blip r:embed="rId3"/>
-                <a:stretch>
-                  <a:fillRect/>
-                </a:stretch>
-              </a:blipFill>
-            </p:spPr>
-            <p:txBody>
-              <a:bodyPr/>
-              <a:lstStyle/>
-              <a:p>
-                <a:r>
-                  <a:rPr lang="en-GB">
-                    <a:noFill/>
-                  </a:rPr>
-                  <a:t> </a:t>
-                </a:r>
-              </a:p>
-            </p:txBody>
-          </p:sp>
-        </mc:Fallback>
-      </mc:AlternateContent>
-      <p:sp>
-        <p:nvSpPr>
-          <p:cNvPr id="4" name="Rectangle 3">
-            <a:extLst>
-              <a:ext uri="{FF2B5EF4-FFF2-40B4-BE49-F238E27FC236}">
-                <a16:creationId xmlns:a16="http://schemas.microsoft.com/office/drawing/2014/main" id="{0903EA24-BB72-464B-AB3B-CD319A66AFA1}"/>
-              </a:ext>
-            </a:extLst>
-          </p:cNvPr>
-          <p:cNvSpPr/>
-          <p:nvPr/>
-        </p:nvSpPr>
-        <p:spPr>
-          <a:xfrm>
-            <a:off x="7540050" y="3280116"/>
-            <a:ext cx="1315488" cy="369332"/>
-          </a:xfrm>
-          <a:prstGeom prst="rect">
-            <a:avLst/>
-          </a:prstGeom>
-        </p:spPr>
-        <p:txBody>
-          <a:bodyPr wrap="none">
-            <a:spAutoFit/>
-          </a:bodyPr>
-          <a:lstStyle/>
-          <a:p>
-            <a:r>
-              <a:rPr lang="en-GB" dirty="0"/>
-              <a:t>Hypotenuse</a:t>
-            </a:r>
-          </a:p>
-        </p:txBody>
-      </p:sp>
-    </p:spTree>
-    <p:extLst>
-      <p:ext uri="{BB962C8B-B14F-4D97-AF65-F5344CB8AC3E}">
-        <p14:creationId xmlns:p14="http://schemas.microsoft.com/office/powerpoint/2010/main" val="646063160"/>
-      </p:ext>
-    </p:extLst>
-  </p:cSld>
-  <p:clrMapOvr>
-    <a:masterClrMapping/>
-  </p:clrMapOvr>
-  <p:timing>
-    <p:tnLst>
-      <p:par>
-        <p:cTn id="1" dur="indefinite" restart="never" nodeType="tmRoot">
-          <p:childTnLst>
-            <p:seq concurrent="1" nextAc="seek">
-              <p:cTn id="2" dur="indefinite" nodeType="mainSeq">
-                <p:childTnLst>
-                  <p:par>
-                    <p:cTn id="3" fill="hold">
-                      <p:stCondLst>
-                        <p:cond delay="indefinite"/>
-                      </p:stCondLst>
-                      <p:childTnLst>
-                        <p:par>
-                          <p:cTn id="4" fill="hold">
-                            <p:stCondLst>
-                              <p:cond delay="0"/>
-                            </p:stCondLst>
-                            <p:childTnLst>
-                              <p:par>
-                                <p:cTn id="5" presetID="1" presetClass="entr" presetSubtype="0" fill="hold" grpId="0" nodeType="clickEffect">
-                                  <p:stCondLst>
-                                    <p:cond delay="0"/>
-                                  </p:stCondLst>
-                                  <p:childTnLst>
-                                    <p:set>
-                                      <p:cBhvr>
-                                        <p:cTn id="6" dur="1" fill="hold">
-                                          <p:stCondLst>
-                                            <p:cond delay="0"/>
-                                          </p:stCondLst>
-                                        </p:cTn>
-                                        <p:tgtEl>
-                                          <p:spTgt spid="3">
-                                            <p:txEl>
-                                              <p:pRg st="0" end="0"/>
-                                            </p:txEl>
-                                          </p:spTgt>
-                                        </p:tgtEl>
-                                        <p:attrNameLst>
-                                          <p:attrName>style.visibility</p:attrName>
-                                        </p:attrNameLst>
-                                      </p:cBhvr>
-                                      <p:to>
-                                        <p:strVal val="visible"/>
-                                      </p:to>
-                                    </p:set>
-                                  </p:childTnLst>
-                                </p:cTn>
-                              </p:par>
-                            </p:childTnLst>
-                          </p:cTn>
-                        </p:par>
-                      </p:childTnLst>
-                    </p:cTn>
-                  </p:par>
-                  <p:par>
-                    <p:cTn id="7" fill="hold">
-                      <p:stCondLst>
-                        <p:cond delay="indefinite"/>
-                      </p:stCondLst>
-                      <p:childTnLst>
-                        <p:par>
-                          <p:cTn id="8" fill="hold">
-                            <p:stCondLst>
-                              <p:cond delay="0"/>
-                            </p:stCondLst>
-                            <p:childTnLst>
-                              <p:par>
-                                <p:cTn id="9" presetID="1" presetClass="entr" presetSubtype="0" fill="hold" grpId="0" nodeType="clickEffect">
-                                  <p:stCondLst>
-                                    <p:cond delay="0"/>
-                                  </p:stCondLst>
-                                  <p:childTnLst>
-                                    <p:set>
-                                      <p:cBhvr>
-                                        <p:cTn id="10" dur="1" fill="hold">
-                                          <p:stCondLst>
-                                            <p:cond delay="0"/>
-                                          </p:stCondLst>
-                                        </p:cTn>
-                                        <p:tgtEl>
-                                          <p:spTgt spid="3">
-                                            <p:txEl>
-                                              <p:pRg st="1" end="1"/>
-                                            </p:txEl>
-                                          </p:spTgt>
-                                        </p:tgtEl>
-                                        <p:attrNameLst>
-                                          <p:attrName>style.visibility</p:attrName>
-                                        </p:attrNameLst>
-                                      </p:cBhvr>
-                                      <p:to>
-                                        <p:strVal val="visible"/>
-                                      </p:to>
-                                    </p:set>
-                                  </p:childTnLst>
-                                </p:cTn>
-                              </p:par>
-                            </p:childTnLst>
-                          </p:cTn>
-                        </p:par>
-                      </p:childTnLst>
-                    </p:cTn>
-                  </p:par>
-                  <p:par>
-                    <p:cTn id="11" fill="hold">
-                      <p:stCondLst>
-                        <p:cond delay="indefinite"/>
-                      </p:stCondLst>
-                      <p:childTnLst>
-                        <p:par>
-                          <p:cTn id="12" fill="hold">
-                            <p:stCondLst>
-                              <p:cond delay="0"/>
-                            </p:stCondLst>
-                            <p:childTnLst>
-                              <p:par>
-                                <p:cTn id="13" presetID="1" presetClass="entr" presetSubtype="0" fill="hold" grpId="0" nodeType="clickEffect">
-                                  <p:stCondLst>
-                                    <p:cond delay="0"/>
-                                  </p:stCondLst>
-                                  <p:childTnLst>
-                                    <p:set>
-                                      <p:cBhvr>
-                                        <p:cTn id="14" dur="1" fill="hold">
-                                          <p:stCondLst>
-                                            <p:cond delay="0"/>
-                                          </p:stCondLst>
-                                        </p:cTn>
-                                        <p:tgtEl>
-                                          <p:spTgt spid="3">
-                                            <p:txEl>
-                                              <p:pRg st="2" end="2"/>
-                                            </p:txEl>
-                                          </p:spTgt>
-                                        </p:tgtEl>
-                                        <p:attrNameLst>
-                                          <p:attrName>style.visibility</p:attrName>
-                                        </p:attrNameLst>
-                                      </p:cBhvr>
-                                      <p:to>
-                                        <p:strVal val="visible"/>
-                                      </p:to>
-                                    </p:set>
-                                  </p:childTnLst>
-                                </p:cTn>
-                              </p:par>
-                            </p:childTnLst>
-                          </p:cTn>
-                        </p:par>
-                      </p:childTnLst>
-                    </p:cTn>
-                  </p:par>
-                  <p:par>
-                    <p:cTn id="15" fill="hold">
-                      <p:stCondLst>
-                        <p:cond delay="indefinite"/>
-                      </p:stCondLst>
-                      <p:childTnLst>
-                        <p:par>
-                          <p:cTn id="16" fill="hold">
-                            <p:stCondLst>
-                              <p:cond delay="0"/>
-                            </p:stCondLst>
-                            <p:childTnLst>
-                              <p:par>
-                                <p:cTn id="17" presetID="1" presetClass="entr" presetSubtype="0" fill="hold" grpId="0" nodeType="clickEffect">
-                                  <p:stCondLst>
-                                    <p:cond delay="0"/>
-                                  </p:stCondLst>
-                                  <p:childTnLst>
-                                    <p:set>
-                                      <p:cBhvr>
-                                        <p:cTn id="18" dur="1" fill="hold">
-                                          <p:stCondLst>
-                                            <p:cond delay="0"/>
-                                          </p:stCondLst>
-                                        </p:cTn>
-                                        <p:tgtEl>
-                                          <p:spTgt spid="3">
-                                            <p:txEl>
-                                              <p:pRg st="3" end="3"/>
-                                            </p:txEl>
-                                          </p:spTgt>
-                                        </p:tgtEl>
-                                        <p:attrNameLst>
-                                          <p:attrName>style.visibility</p:attrName>
-                                        </p:attrNameLst>
-                                      </p:cBhvr>
-                                      <p:to>
-                                        <p:strVal val="visible"/>
-                                      </p:to>
-                                    </p:set>
-                                  </p:childTnLst>
-                                </p:cTn>
-                              </p:par>
-                            </p:childTnLst>
-                          </p:cTn>
-                        </p:par>
-                      </p:childTnLst>
-                    </p:cTn>
-                  </p:par>
-                </p:childTnLst>
-              </p:cTn>
-              <p:prevCondLst>
-                <p:cond evt="onPrev" delay="0">
-                  <p:tgtEl>
-                    <p:sldTgt/>
-                  </p:tgtEl>
-                </p:cond>
-              </p:prevCondLst>
-              <p:nextCondLst>
-                <p:cond evt="onNext" delay="0">
-                  <p:tgtEl>
-                    <p:sldTgt/>
-                  </p:tgtEl>
-                </p:cond>
-              </p:nextCondLst>
-            </p:seq>
-          </p:childTnLst>
-        </p:cTn>
-      </p:par>
-    </p:tnLst>
-    <p:bldLst>
-      <p:bldP spid="3" grpId="0" build="p"/>
-    </p:bldLst>
-  </p:timing>
-</p:sld>
-</file>
-
-<file path=ppt/slides/slide30.xml><?xml version="1.0" encoding="utf-8"?>
+<file path=ppt/slides/slide29.xml><?xml version="1.0" encoding="utf-8"?>
 <p:sld xmlns:a="http://schemas.openxmlformats.org/drawingml/2006/main" xmlns:r="http://schemas.openxmlformats.org/officeDocument/2006/relationships" xmlns:p="http://schemas.openxmlformats.org/presentationml/2006/main">
   <p:cSld>
     <p:spTree>
@@ -19587,7 +17659,586 @@
 </p:sld>
 </file>
 
-<file path=ppt/slides/slide31.xml><?xml version="1.0" encoding="utf-8"?>
+<file path=ppt/slides/slide3.xml><?xml version="1.0" encoding="utf-8"?>
+<p:sld xmlns:a="http://schemas.openxmlformats.org/drawingml/2006/main" xmlns:r="http://schemas.openxmlformats.org/officeDocument/2006/relationships" xmlns:p="http://schemas.openxmlformats.org/presentationml/2006/main">
+  <p:cSld>
+    <p:spTree>
+      <p:nvGrpSpPr>
+        <p:cNvPr id="1" name=""/>
+        <p:cNvGrpSpPr/>
+        <p:nvPr/>
+      </p:nvGrpSpPr>
+      <p:grpSpPr>
+        <a:xfrm>
+          <a:off x="0" y="0"/>
+          <a:ext cx="0" cy="0"/>
+          <a:chOff x="0" y="0"/>
+          <a:chExt cx="0" cy="0"/>
+        </a:xfrm>
+      </p:grpSpPr>
+      <p:sp>
+        <p:nvSpPr>
+          <p:cNvPr id="2" name="Title 1">
+            <a:extLst>
+              <a:ext uri="{FF2B5EF4-FFF2-40B4-BE49-F238E27FC236}">
+                <a16:creationId xmlns:a16="http://schemas.microsoft.com/office/drawing/2014/main" id="{143478CD-4F9A-4F7D-8224-B43D695CBC29}"/>
+              </a:ext>
+            </a:extLst>
+          </p:cNvPr>
+          <p:cNvSpPr>
+            <a:spLocks noGrp="1"/>
+          </p:cNvSpPr>
+          <p:nvPr>
+            <p:ph type="title"/>
+          </p:nvPr>
+        </p:nvSpPr>
+        <p:spPr/>
+        <p:txBody>
+          <a:bodyPr/>
+          <a:lstStyle/>
+          <a:p>
+            <a:r>
+              <a:rPr lang="en-GB" dirty="0"/>
+              <a:t>Other trigonometric functions</a:t>
+            </a:r>
+          </a:p>
+        </p:txBody>
+      </p:sp>
+      <mc:AlternateContent xmlns:mc="http://schemas.openxmlformats.org/markup-compatibility/2006" xmlns:a14="http://schemas.microsoft.com/office/drawing/2010/main">
+        <mc:Choice Requires="a14">
+          <p:sp>
+            <p:nvSpPr>
+              <p:cNvPr id="3" name="Content Placeholder 2">
+                <a:extLst>
+                  <a:ext uri="{FF2B5EF4-FFF2-40B4-BE49-F238E27FC236}">
+                    <a16:creationId xmlns:a16="http://schemas.microsoft.com/office/drawing/2014/main" id="{6EB2E389-4DF2-45B4-B6B0-2E2BA6ABCF70}"/>
+                  </a:ext>
+                </a:extLst>
+              </p:cNvPr>
+              <p:cNvSpPr>
+                <a:spLocks noGrp="1"/>
+              </p:cNvSpPr>
+              <p:nvPr>
+                <p:ph idx="1"/>
+              </p:nvPr>
+            </p:nvSpPr>
+            <p:spPr/>
+            <p:txBody>
+              <a:bodyPr/>
+              <a:lstStyle/>
+              <a:p>
+                <a:r>
+                  <a:rPr lang="en-GB" dirty="0"/>
+                  <a:t>Secant: </a:t>
+                </a:r>
+                <a14:m>
+                  <m:oMath xmlns:m="http://schemas.openxmlformats.org/officeDocument/2006/math">
+                    <m:func>
+                      <m:funcPr>
+                        <m:ctrlPr>
+                          <a:rPr lang="en-GB" b="0" i="1" smtClean="0">
+                            <a:latin typeface="Cambria Math" panose="02040503050406030204" pitchFamily="18" charset="0"/>
+                          </a:rPr>
+                        </m:ctrlPr>
+                      </m:funcPr>
+                      <m:fName>
+                        <m:r>
+                          <m:rPr>
+                            <m:sty m:val="p"/>
+                          </m:rPr>
+                          <a:rPr lang="en-GB" b="0" i="0" smtClean="0">
+                            <a:latin typeface="Cambria Math" panose="02040503050406030204" pitchFamily="18" charset="0"/>
+                          </a:rPr>
+                          <m:t>sec</m:t>
+                        </m:r>
+                      </m:fName>
+                      <m:e>
+                        <m:r>
+                          <a:rPr lang="en-GB" b="0" i="1" smtClean="0">
+                            <a:latin typeface="Cambria Math" panose="02040503050406030204" pitchFamily="18" charset="0"/>
+                          </a:rPr>
+                          <m:t>𝜃</m:t>
+                        </m:r>
+                      </m:e>
+                    </m:func>
+                    <m:r>
+                      <a:rPr lang="en-GB" b="0" i="1" smtClean="0">
+                        <a:latin typeface="Cambria Math" panose="02040503050406030204" pitchFamily="18" charset="0"/>
+                      </a:rPr>
+                      <m:t>=</m:t>
+                    </m:r>
+                    <m:f>
+                      <m:fPr>
+                        <m:ctrlPr>
+                          <a:rPr lang="en-GB" b="0" i="1" smtClean="0">
+                            <a:latin typeface="Cambria Math" panose="02040503050406030204" pitchFamily="18" charset="0"/>
+                          </a:rPr>
+                        </m:ctrlPr>
+                      </m:fPr>
+                      <m:num>
+                        <m:r>
+                          <a:rPr lang="en-GB" b="0" i="1" smtClean="0">
+                            <a:latin typeface="Cambria Math" panose="02040503050406030204" pitchFamily="18" charset="0"/>
+                          </a:rPr>
+                          <m:t>1</m:t>
+                        </m:r>
+                      </m:num>
+                      <m:den>
+                        <m:func>
+                          <m:funcPr>
+                            <m:ctrlPr>
+                              <a:rPr lang="en-GB" b="0" i="1" smtClean="0">
+                                <a:latin typeface="Cambria Math" panose="02040503050406030204" pitchFamily="18" charset="0"/>
+                              </a:rPr>
+                            </m:ctrlPr>
+                          </m:funcPr>
+                          <m:fName>
+                            <m:r>
+                              <m:rPr>
+                                <m:sty m:val="p"/>
+                              </m:rPr>
+                              <a:rPr lang="en-GB" b="0" i="0" smtClean="0">
+                                <a:latin typeface="Cambria Math" panose="02040503050406030204" pitchFamily="18" charset="0"/>
+                              </a:rPr>
+                              <m:t>cos</m:t>
+                            </m:r>
+                          </m:fName>
+                          <m:e>
+                            <m:r>
+                              <a:rPr lang="en-GB" b="0" i="1" smtClean="0">
+                                <a:latin typeface="Cambria Math" panose="02040503050406030204" pitchFamily="18" charset="0"/>
+                              </a:rPr>
+                              <m:t>𝜃</m:t>
+                            </m:r>
+                          </m:e>
+                        </m:func>
+                      </m:den>
+                    </m:f>
+                  </m:oMath>
+                </a14:m>
+                <a:endParaRPr lang="en-GB" dirty="0"/>
+              </a:p>
+              <a:p>
+                <a:r>
+                  <a:rPr lang="en-GB" dirty="0"/>
+                  <a:t>Cosecant: </a:t>
+                </a:r>
+                <a14:m>
+                  <m:oMath xmlns:m="http://schemas.openxmlformats.org/officeDocument/2006/math">
+                    <m:func>
+                      <m:funcPr>
+                        <m:ctrlPr>
+                          <a:rPr lang="en-GB" i="1">
+                            <a:latin typeface="Cambria Math" panose="02040503050406030204" pitchFamily="18" charset="0"/>
+                          </a:rPr>
+                        </m:ctrlPr>
+                      </m:funcPr>
+                      <m:fName>
+                        <m:r>
+                          <m:rPr>
+                            <m:sty m:val="p"/>
+                          </m:rPr>
+                          <a:rPr lang="en-GB" b="0" i="0" smtClean="0">
+                            <a:latin typeface="Cambria Math" panose="02040503050406030204" pitchFamily="18" charset="0"/>
+                          </a:rPr>
+                          <m:t>csc</m:t>
+                        </m:r>
+                      </m:fName>
+                      <m:e>
+                        <m:r>
+                          <a:rPr lang="en-GB" i="1">
+                            <a:latin typeface="Cambria Math" panose="02040503050406030204" pitchFamily="18" charset="0"/>
+                          </a:rPr>
+                          <m:t>𝜃</m:t>
+                        </m:r>
+                      </m:e>
+                    </m:func>
+                    <m:r>
+                      <a:rPr lang="en-GB" i="1">
+                        <a:latin typeface="Cambria Math" panose="02040503050406030204" pitchFamily="18" charset="0"/>
+                      </a:rPr>
+                      <m:t>=</m:t>
+                    </m:r>
+                    <m:f>
+                      <m:fPr>
+                        <m:ctrlPr>
+                          <a:rPr lang="en-GB" i="1">
+                            <a:latin typeface="Cambria Math" panose="02040503050406030204" pitchFamily="18" charset="0"/>
+                          </a:rPr>
+                        </m:ctrlPr>
+                      </m:fPr>
+                      <m:num>
+                        <m:r>
+                          <a:rPr lang="en-GB" i="1">
+                            <a:latin typeface="Cambria Math" panose="02040503050406030204" pitchFamily="18" charset="0"/>
+                          </a:rPr>
+                          <m:t>1</m:t>
+                        </m:r>
+                      </m:num>
+                      <m:den>
+                        <m:func>
+                          <m:funcPr>
+                            <m:ctrlPr>
+                              <a:rPr lang="en-GB" i="1">
+                                <a:latin typeface="Cambria Math" panose="02040503050406030204" pitchFamily="18" charset="0"/>
+                              </a:rPr>
+                            </m:ctrlPr>
+                          </m:funcPr>
+                          <m:fName>
+                            <m:r>
+                              <m:rPr>
+                                <m:sty m:val="p"/>
+                              </m:rPr>
+                              <a:rPr lang="en-GB" b="0" i="0" smtClean="0">
+                                <a:latin typeface="Cambria Math" panose="02040503050406030204" pitchFamily="18" charset="0"/>
+                              </a:rPr>
+                              <m:t>sin</m:t>
+                            </m:r>
+                          </m:fName>
+                          <m:e>
+                            <m:r>
+                              <a:rPr lang="en-GB" i="1">
+                                <a:latin typeface="Cambria Math" panose="02040503050406030204" pitchFamily="18" charset="0"/>
+                              </a:rPr>
+                              <m:t>𝜃</m:t>
+                            </m:r>
+                          </m:e>
+                        </m:func>
+                      </m:den>
+                    </m:f>
+                  </m:oMath>
+                </a14:m>
+                <a:endParaRPr lang="en-GB" dirty="0"/>
+              </a:p>
+              <a:p>
+                <a:r>
+                  <a:rPr lang="en-GB" dirty="0"/>
+                  <a:t>Cotangent: </a:t>
+                </a:r>
+                <a14:m>
+                  <m:oMath xmlns:m="http://schemas.openxmlformats.org/officeDocument/2006/math">
+                    <m:func>
+                      <m:funcPr>
+                        <m:ctrlPr>
+                          <a:rPr lang="en-GB" i="1">
+                            <a:latin typeface="Cambria Math" panose="02040503050406030204" pitchFamily="18" charset="0"/>
+                          </a:rPr>
+                        </m:ctrlPr>
+                      </m:funcPr>
+                      <m:fName>
+                        <m:r>
+                          <m:rPr>
+                            <m:sty m:val="p"/>
+                          </m:rPr>
+                          <a:rPr lang="en-GB" b="0" i="0" smtClean="0">
+                            <a:latin typeface="Cambria Math" panose="02040503050406030204" pitchFamily="18" charset="0"/>
+                          </a:rPr>
+                          <m:t>cot</m:t>
+                        </m:r>
+                      </m:fName>
+                      <m:e>
+                        <m:r>
+                          <a:rPr lang="en-GB" i="1">
+                            <a:latin typeface="Cambria Math" panose="02040503050406030204" pitchFamily="18" charset="0"/>
+                          </a:rPr>
+                          <m:t>𝜃</m:t>
+                        </m:r>
+                      </m:e>
+                    </m:func>
+                    <m:r>
+                      <a:rPr lang="en-GB" i="1">
+                        <a:latin typeface="Cambria Math" panose="02040503050406030204" pitchFamily="18" charset="0"/>
+                      </a:rPr>
+                      <m:t>=</m:t>
+                    </m:r>
+                    <m:f>
+                      <m:fPr>
+                        <m:ctrlPr>
+                          <a:rPr lang="en-GB" i="1">
+                            <a:latin typeface="Cambria Math" panose="02040503050406030204" pitchFamily="18" charset="0"/>
+                          </a:rPr>
+                        </m:ctrlPr>
+                      </m:fPr>
+                      <m:num>
+                        <m:r>
+                          <a:rPr lang="en-GB" i="1">
+                            <a:latin typeface="Cambria Math" panose="02040503050406030204" pitchFamily="18" charset="0"/>
+                          </a:rPr>
+                          <m:t>1</m:t>
+                        </m:r>
+                      </m:num>
+                      <m:den>
+                        <m:func>
+                          <m:funcPr>
+                            <m:ctrlPr>
+                              <a:rPr lang="en-GB" i="1">
+                                <a:latin typeface="Cambria Math" panose="02040503050406030204" pitchFamily="18" charset="0"/>
+                              </a:rPr>
+                            </m:ctrlPr>
+                          </m:funcPr>
+                          <m:fName>
+                            <m:r>
+                              <m:rPr>
+                                <m:sty m:val="p"/>
+                              </m:rPr>
+                              <a:rPr lang="en-GB" b="0" i="0" smtClean="0">
+                                <a:latin typeface="Cambria Math" panose="02040503050406030204" pitchFamily="18" charset="0"/>
+                              </a:rPr>
+                              <m:t>tan</m:t>
+                            </m:r>
+                          </m:fName>
+                          <m:e>
+                            <m:r>
+                              <a:rPr lang="en-GB" i="1">
+                                <a:latin typeface="Cambria Math" panose="02040503050406030204" pitchFamily="18" charset="0"/>
+                              </a:rPr>
+                              <m:t>𝜃</m:t>
+                            </m:r>
+                          </m:e>
+                        </m:func>
+                      </m:den>
+                    </m:f>
+                  </m:oMath>
+                </a14:m>
+                <a:endParaRPr lang="en-GB" dirty="0"/>
+              </a:p>
+            </p:txBody>
+          </p:sp>
+        </mc:Choice>
+        <mc:Fallback xmlns="">
+          <p:sp>
+            <p:nvSpPr>
+              <p:cNvPr id="3" name="Content Placeholder 2">
+                <a:extLst>
+                  <a:ext uri="{FF2B5EF4-FFF2-40B4-BE49-F238E27FC236}">
+                    <a16:creationId xmlns:a16="http://schemas.microsoft.com/office/drawing/2014/main" id="{6EB2E389-4DF2-45B4-B6B0-2E2BA6ABCF70}"/>
+                  </a:ext>
+                </a:extLst>
+              </p:cNvPr>
+              <p:cNvSpPr>
+                <a:spLocks noGrp="1" noRot="1" noChangeAspect="1" noMove="1" noResize="1" noEditPoints="1" noAdjustHandles="1" noChangeArrowheads="1" noChangeShapeType="1" noTextEdit="1"/>
+              </p:cNvSpPr>
+              <p:nvPr>
+                <p:ph idx="1"/>
+              </p:nvPr>
+            </p:nvSpPr>
+            <p:spPr>
+              <a:blipFill>
+                <a:blip r:embed="rId2"/>
+                <a:stretch>
+                  <a:fillRect l="-2000"/>
+                </a:stretch>
+              </a:blipFill>
+            </p:spPr>
+            <p:txBody>
+              <a:bodyPr/>
+              <a:lstStyle/>
+              <a:p>
+                <a:r>
+                  <a:rPr lang="en-GB">
+                    <a:noFill/>
+                  </a:rPr>
+                  <a:t> </a:t>
+                </a:r>
+              </a:p>
+            </p:txBody>
+          </p:sp>
+        </mc:Fallback>
+      </mc:AlternateContent>
+    </p:spTree>
+    <p:extLst>
+      <p:ext uri="{BB962C8B-B14F-4D97-AF65-F5344CB8AC3E}">
+        <p14:creationId xmlns:p14="http://schemas.microsoft.com/office/powerpoint/2010/main" val="4134631948"/>
+      </p:ext>
+    </p:extLst>
+  </p:cSld>
+  <p:clrMapOvr>
+    <a:masterClrMapping/>
+  </p:clrMapOvr>
+  <p:timing>
+    <p:tnLst>
+      <p:par>
+        <p:cTn id="1" dur="indefinite" restart="never" nodeType="tmRoot">
+          <p:childTnLst>
+            <p:seq concurrent="1" nextAc="seek">
+              <p:cTn id="2" dur="indefinite" nodeType="mainSeq">
+                <p:childTnLst>
+                  <p:par>
+                    <p:cTn id="3" fill="hold">
+                      <p:stCondLst>
+                        <p:cond delay="indefinite"/>
+                      </p:stCondLst>
+                      <p:childTnLst>
+                        <p:par>
+                          <p:cTn id="4" fill="hold">
+                            <p:stCondLst>
+                              <p:cond delay="0"/>
+                            </p:stCondLst>
+                            <p:childTnLst>
+                              <p:par>
+                                <p:cTn id="5" presetID="1" presetClass="entr" presetSubtype="0" fill="hold" grpId="0" nodeType="clickEffect">
+                                  <p:stCondLst>
+                                    <p:cond delay="0"/>
+                                  </p:stCondLst>
+                                  <p:childTnLst>
+                                    <p:set>
+                                      <p:cBhvr>
+                                        <p:cTn id="6" dur="1" fill="hold">
+                                          <p:stCondLst>
+                                            <p:cond delay="0"/>
+                                          </p:stCondLst>
+                                        </p:cTn>
+                                        <p:tgtEl>
+                                          <p:spTgt spid="3">
+                                            <p:txEl>
+                                              <p:pRg st="0" end="0"/>
+                                            </p:txEl>
+                                          </p:spTgt>
+                                        </p:tgtEl>
+                                        <p:attrNameLst>
+                                          <p:attrName>style.visibility</p:attrName>
+                                        </p:attrNameLst>
+                                      </p:cBhvr>
+                                      <p:to>
+                                        <p:strVal val="visible"/>
+                                      </p:to>
+                                    </p:set>
+                                  </p:childTnLst>
+                                </p:cTn>
+                              </p:par>
+                            </p:childTnLst>
+                          </p:cTn>
+                        </p:par>
+                      </p:childTnLst>
+                    </p:cTn>
+                  </p:par>
+                  <p:par>
+                    <p:cTn id="7" fill="hold">
+                      <p:stCondLst>
+                        <p:cond delay="indefinite"/>
+                      </p:stCondLst>
+                      <p:childTnLst>
+                        <p:par>
+                          <p:cTn id="8" fill="hold">
+                            <p:stCondLst>
+                              <p:cond delay="0"/>
+                            </p:stCondLst>
+                            <p:childTnLst>
+                              <p:par>
+                                <p:cTn id="9" presetID="1" presetClass="entr" presetSubtype="0" fill="hold" grpId="0" nodeType="clickEffect">
+                                  <p:stCondLst>
+                                    <p:cond delay="0"/>
+                                  </p:stCondLst>
+                                  <p:childTnLst>
+                                    <p:set>
+                                      <p:cBhvr>
+                                        <p:cTn id="10" dur="1" fill="hold">
+                                          <p:stCondLst>
+                                            <p:cond delay="0"/>
+                                          </p:stCondLst>
+                                        </p:cTn>
+                                        <p:tgtEl>
+                                          <p:spTgt spid="3">
+                                            <p:txEl>
+                                              <p:pRg st="1" end="1"/>
+                                            </p:txEl>
+                                          </p:spTgt>
+                                        </p:tgtEl>
+                                        <p:attrNameLst>
+                                          <p:attrName>style.visibility</p:attrName>
+                                        </p:attrNameLst>
+                                      </p:cBhvr>
+                                      <p:to>
+                                        <p:strVal val="visible"/>
+                                      </p:to>
+                                    </p:set>
+                                  </p:childTnLst>
+                                </p:cTn>
+                              </p:par>
+                            </p:childTnLst>
+                          </p:cTn>
+                        </p:par>
+                      </p:childTnLst>
+                    </p:cTn>
+                  </p:par>
+                  <p:par>
+                    <p:cTn id="11" fill="hold">
+                      <p:stCondLst>
+                        <p:cond delay="indefinite"/>
+                      </p:stCondLst>
+                      <p:childTnLst>
+                        <p:par>
+                          <p:cTn id="12" fill="hold">
+                            <p:stCondLst>
+                              <p:cond delay="0"/>
+                            </p:stCondLst>
+                            <p:childTnLst>
+                              <p:par>
+                                <p:cTn id="13" presetID="1" presetClass="entr" presetSubtype="0" fill="hold" grpId="0" nodeType="clickEffect">
+                                  <p:stCondLst>
+                                    <p:cond delay="0"/>
+                                  </p:stCondLst>
+                                  <p:childTnLst>
+                                    <p:set>
+                                      <p:cBhvr>
+                                        <p:cTn id="14" dur="1" fill="hold">
+                                          <p:stCondLst>
+                                            <p:cond delay="0"/>
+                                          </p:stCondLst>
+                                        </p:cTn>
+                                        <p:tgtEl>
+                                          <p:spTgt spid="3">
+                                            <p:txEl>
+                                              <p:pRg st="2" end="2"/>
+                                            </p:txEl>
+                                          </p:spTgt>
+                                        </p:tgtEl>
+                                        <p:attrNameLst>
+                                          <p:attrName>style.visibility</p:attrName>
+                                        </p:attrNameLst>
+                                      </p:cBhvr>
+                                      <p:to>
+                                        <p:strVal val="visible"/>
+                                      </p:to>
+                                    </p:set>
+                                  </p:childTnLst>
+                                </p:cTn>
+                              </p:par>
+                            </p:childTnLst>
+                          </p:cTn>
+                        </p:par>
+                      </p:childTnLst>
+                    </p:cTn>
+                  </p:par>
+                </p:childTnLst>
+              </p:cTn>
+              <p:prevCondLst>
+                <p:cond evt="onPrev" delay="0">
+                  <p:tgtEl>
+                    <p:sldTgt/>
+                  </p:tgtEl>
+                </p:cond>
+              </p:prevCondLst>
+              <p:nextCondLst>
+                <p:cond evt="onNext" delay="0">
+                  <p:tgtEl>
+                    <p:sldTgt/>
+                  </p:tgtEl>
+                </p:cond>
+              </p:nextCondLst>
+            </p:seq>
+          </p:childTnLst>
+        </p:cTn>
+      </p:par>
+    </p:tnLst>
+    <p:bldLst>
+      <p:bldP spid="3" grpId="0" build="p"/>
+    </p:bldLst>
+  </p:timing>
+</p:sld>
+</file>
+
+<file path=ppt/slides/slide30.xml><?xml version="1.0" encoding="utf-8"?>
 <p:sld xmlns:a="http://schemas.openxmlformats.org/drawingml/2006/main" xmlns:r="http://schemas.openxmlformats.org/officeDocument/2006/relationships" xmlns:p="http://schemas.openxmlformats.org/presentationml/2006/main">
   <p:cSld>
     <p:spTree>
@@ -20663,7 +19314,7 @@
 </p:sld>
 </file>
 
-<file path=ppt/slides/slide32.xml><?xml version="1.0" encoding="utf-8"?>
+<file path=ppt/slides/slide31.xml><?xml version="1.0" encoding="utf-8"?>
 <p:sld xmlns:a="http://schemas.openxmlformats.org/drawingml/2006/main" xmlns:r="http://schemas.openxmlformats.org/officeDocument/2006/relationships" xmlns:p="http://schemas.openxmlformats.org/presentationml/2006/main">
   <p:cSld>
     <p:bg>
@@ -21053,7 +19704,7 @@
 </p:sld>
 </file>
 
-<file path=ppt/slides/slide33.xml><?xml version="1.0" encoding="utf-8"?>
+<file path=ppt/slides/slide32.xml><?xml version="1.0" encoding="utf-8"?>
 <p:sld xmlns:a="http://schemas.openxmlformats.org/drawingml/2006/main" xmlns:r="http://schemas.openxmlformats.org/officeDocument/2006/relationships" xmlns:p="http://schemas.openxmlformats.org/presentationml/2006/main">
   <p:cSld>
     <p:spTree>
@@ -21165,585 +19816,6 @@
 </file>
 
 <file path=ppt/slides/slide4.xml><?xml version="1.0" encoding="utf-8"?>
-<p:sld xmlns:a="http://schemas.openxmlformats.org/drawingml/2006/main" xmlns:r="http://schemas.openxmlformats.org/officeDocument/2006/relationships" xmlns:p="http://schemas.openxmlformats.org/presentationml/2006/main">
-  <p:cSld>
-    <p:spTree>
-      <p:nvGrpSpPr>
-        <p:cNvPr id="1" name=""/>
-        <p:cNvGrpSpPr/>
-        <p:nvPr/>
-      </p:nvGrpSpPr>
-      <p:grpSpPr>
-        <a:xfrm>
-          <a:off x="0" y="0"/>
-          <a:ext cx="0" cy="0"/>
-          <a:chOff x="0" y="0"/>
-          <a:chExt cx="0" cy="0"/>
-        </a:xfrm>
-      </p:grpSpPr>
-      <p:sp>
-        <p:nvSpPr>
-          <p:cNvPr id="2" name="Title 1">
-            <a:extLst>
-              <a:ext uri="{FF2B5EF4-FFF2-40B4-BE49-F238E27FC236}">
-                <a16:creationId xmlns:a16="http://schemas.microsoft.com/office/drawing/2014/main" id="{143478CD-4F9A-4F7D-8224-B43D695CBC29}"/>
-              </a:ext>
-            </a:extLst>
-          </p:cNvPr>
-          <p:cNvSpPr>
-            <a:spLocks noGrp="1"/>
-          </p:cNvSpPr>
-          <p:nvPr>
-            <p:ph type="title"/>
-          </p:nvPr>
-        </p:nvSpPr>
-        <p:spPr/>
-        <p:txBody>
-          <a:bodyPr/>
-          <a:lstStyle/>
-          <a:p>
-            <a:r>
-              <a:rPr lang="en-GB" dirty="0"/>
-              <a:t>Other trigonometric functions</a:t>
-            </a:r>
-          </a:p>
-        </p:txBody>
-      </p:sp>
-      <mc:AlternateContent xmlns:mc="http://schemas.openxmlformats.org/markup-compatibility/2006" xmlns:a14="http://schemas.microsoft.com/office/drawing/2010/main">
-        <mc:Choice Requires="a14">
-          <p:sp>
-            <p:nvSpPr>
-              <p:cNvPr id="3" name="Content Placeholder 2">
-                <a:extLst>
-                  <a:ext uri="{FF2B5EF4-FFF2-40B4-BE49-F238E27FC236}">
-                    <a16:creationId xmlns:a16="http://schemas.microsoft.com/office/drawing/2014/main" id="{6EB2E389-4DF2-45B4-B6B0-2E2BA6ABCF70}"/>
-                  </a:ext>
-                </a:extLst>
-              </p:cNvPr>
-              <p:cNvSpPr>
-                <a:spLocks noGrp="1"/>
-              </p:cNvSpPr>
-              <p:nvPr>
-                <p:ph idx="1"/>
-              </p:nvPr>
-            </p:nvSpPr>
-            <p:spPr/>
-            <p:txBody>
-              <a:bodyPr/>
-              <a:lstStyle/>
-              <a:p>
-                <a:r>
-                  <a:rPr lang="en-GB" dirty="0"/>
-                  <a:t>Secant: </a:t>
-                </a:r>
-                <a14:m>
-                  <m:oMath xmlns:m="http://schemas.openxmlformats.org/officeDocument/2006/math">
-                    <m:func>
-                      <m:funcPr>
-                        <m:ctrlPr>
-                          <a:rPr lang="en-GB" b="0" i="1" smtClean="0">
-                            <a:latin typeface="Cambria Math" panose="02040503050406030204" pitchFamily="18" charset="0"/>
-                          </a:rPr>
-                        </m:ctrlPr>
-                      </m:funcPr>
-                      <m:fName>
-                        <m:r>
-                          <m:rPr>
-                            <m:sty m:val="p"/>
-                          </m:rPr>
-                          <a:rPr lang="en-GB" b="0" i="0" smtClean="0">
-                            <a:latin typeface="Cambria Math" panose="02040503050406030204" pitchFamily="18" charset="0"/>
-                          </a:rPr>
-                          <m:t>sec</m:t>
-                        </m:r>
-                      </m:fName>
-                      <m:e>
-                        <m:r>
-                          <a:rPr lang="en-GB" b="0" i="1" smtClean="0">
-                            <a:latin typeface="Cambria Math" panose="02040503050406030204" pitchFamily="18" charset="0"/>
-                          </a:rPr>
-                          <m:t>𝜃</m:t>
-                        </m:r>
-                      </m:e>
-                    </m:func>
-                    <m:r>
-                      <a:rPr lang="en-GB" b="0" i="1" smtClean="0">
-                        <a:latin typeface="Cambria Math" panose="02040503050406030204" pitchFamily="18" charset="0"/>
-                      </a:rPr>
-                      <m:t>=</m:t>
-                    </m:r>
-                    <m:f>
-                      <m:fPr>
-                        <m:ctrlPr>
-                          <a:rPr lang="en-GB" b="0" i="1" smtClean="0">
-                            <a:latin typeface="Cambria Math" panose="02040503050406030204" pitchFamily="18" charset="0"/>
-                          </a:rPr>
-                        </m:ctrlPr>
-                      </m:fPr>
-                      <m:num>
-                        <m:r>
-                          <a:rPr lang="en-GB" b="0" i="1" smtClean="0">
-                            <a:latin typeface="Cambria Math" panose="02040503050406030204" pitchFamily="18" charset="0"/>
-                          </a:rPr>
-                          <m:t>1</m:t>
-                        </m:r>
-                      </m:num>
-                      <m:den>
-                        <m:func>
-                          <m:funcPr>
-                            <m:ctrlPr>
-                              <a:rPr lang="en-GB" b="0" i="1" smtClean="0">
-                                <a:latin typeface="Cambria Math" panose="02040503050406030204" pitchFamily="18" charset="0"/>
-                              </a:rPr>
-                            </m:ctrlPr>
-                          </m:funcPr>
-                          <m:fName>
-                            <m:r>
-                              <m:rPr>
-                                <m:sty m:val="p"/>
-                              </m:rPr>
-                              <a:rPr lang="en-GB" b="0" i="0" smtClean="0">
-                                <a:latin typeface="Cambria Math" panose="02040503050406030204" pitchFamily="18" charset="0"/>
-                              </a:rPr>
-                              <m:t>cos</m:t>
-                            </m:r>
-                          </m:fName>
-                          <m:e>
-                            <m:r>
-                              <a:rPr lang="en-GB" b="0" i="1" smtClean="0">
-                                <a:latin typeface="Cambria Math" panose="02040503050406030204" pitchFamily="18" charset="0"/>
-                              </a:rPr>
-                              <m:t>𝜃</m:t>
-                            </m:r>
-                          </m:e>
-                        </m:func>
-                      </m:den>
-                    </m:f>
-                  </m:oMath>
-                </a14:m>
-                <a:endParaRPr lang="en-GB" dirty="0"/>
-              </a:p>
-              <a:p>
-                <a:r>
-                  <a:rPr lang="en-GB" dirty="0"/>
-                  <a:t>Cosecant: </a:t>
-                </a:r>
-                <a14:m>
-                  <m:oMath xmlns:m="http://schemas.openxmlformats.org/officeDocument/2006/math">
-                    <m:func>
-                      <m:funcPr>
-                        <m:ctrlPr>
-                          <a:rPr lang="en-GB" i="1">
-                            <a:latin typeface="Cambria Math" panose="02040503050406030204" pitchFamily="18" charset="0"/>
-                          </a:rPr>
-                        </m:ctrlPr>
-                      </m:funcPr>
-                      <m:fName>
-                        <m:r>
-                          <m:rPr>
-                            <m:sty m:val="p"/>
-                          </m:rPr>
-                          <a:rPr lang="en-GB" b="0" i="0" smtClean="0">
-                            <a:latin typeface="Cambria Math" panose="02040503050406030204" pitchFamily="18" charset="0"/>
-                          </a:rPr>
-                          <m:t>csc</m:t>
-                        </m:r>
-                      </m:fName>
-                      <m:e>
-                        <m:r>
-                          <a:rPr lang="en-GB" i="1">
-                            <a:latin typeface="Cambria Math" panose="02040503050406030204" pitchFamily="18" charset="0"/>
-                          </a:rPr>
-                          <m:t>𝜃</m:t>
-                        </m:r>
-                      </m:e>
-                    </m:func>
-                    <m:r>
-                      <a:rPr lang="en-GB" i="1">
-                        <a:latin typeface="Cambria Math" panose="02040503050406030204" pitchFamily="18" charset="0"/>
-                      </a:rPr>
-                      <m:t>=</m:t>
-                    </m:r>
-                    <m:f>
-                      <m:fPr>
-                        <m:ctrlPr>
-                          <a:rPr lang="en-GB" i="1">
-                            <a:latin typeface="Cambria Math" panose="02040503050406030204" pitchFamily="18" charset="0"/>
-                          </a:rPr>
-                        </m:ctrlPr>
-                      </m:fPr>
-                      <m:num>
-                        <m:r>
-                          <a:rPr lang="en-GB" i="1">
-                            <a:latin typeface="Cambria Math" panose="02040503050406030204" pitchFamily="18" charset="0"/>
-                          </a:rPr>
-                          <m:t>1</m:t>
-                        </m:r>
-                      </m:num>
-                      <m:den>
-                        <m:func>
-                          <m:funcPr>
-                            <m:ctrlPr>
-                              <a:rPr lang="en-GB" i="1">
-                                <a:latin typeface="Cambria Math" panose="02040503050406030204" pitchFamily="18" charset="0"/>
-                              </a:rPr>
-                            </m:ctrlPr>
-                          </m:funcPr>
-                          <m:fName>
-                            <m:r>
-                              <m:rPr>
-                                <m:sty m:val="p"/>
-                              </m:rPr>
-                              <a:rPr lang="en-GB" b="0" i="0" smtClean="0">
-                                <a:latin typeface="Cambria Math" panose="02040503050406030204" pitchFamily="18" charset="0"/>
-                              </a:rPr>
-                              <m:t>sin</m:t>
-                            </m:r>
-                          </m:fName>
-                          <m:e>
-                            <m:r>
-                              <a:rPr lang="en-GB" i="1">
-                                <a:latin typeface="Cambria Math" panose="02040503050406030204" pitchFamily="18" charset="0"/>
-                              </a:rPr>
-                              <m:t>𝜃</m:t>
-                            </m:r>
-                          </m:e>
-                        </m:func>
-                      </m:den>
-                    </m:f>
-                  </m:oMath>
-                </a14:m>
-                <a:endParaRPr lang="en-GB" dirty="0"/>
-              </a:p>
-              <a:p>
-                <a:r>
-                  <a:rPr lang="en-GB" dirty="0"/>
-                  <a:t>Cotangent: </a:t>
-                </a:r>
-                <a14:m>
-                  <m:oMath xmlns:m="http://schemas.openxmlformats.org/officeDocument/2006/math">
-                    <m:func>
-                      <m:funcPr>
-                        <m:ctrlPr>
-                          <a:rPr lang="en-GB" i="1">
-                            <a:latin typeface="Cambria Math" panose="02040503050406030204" pitchFamily="18" charset="0"/>
-                          </a:rPr>
-                        </m:ctrlPr>
-                      </m:funcPr>
-                      <m:fName>
-                        <m:r>
-                          <m:rPr>
-                            <m:sty m:val="p"/>
-                          </m:rPr>
-                          <a:rPr lang="en-GB" b="0" i="0" smtClean="0">
-                            <a:latin typeface="Cambria Math" panose="02040503050406030204" pitchFamily="18" charset="0"/>
-                          </a:rPr>
-                          <m:t>cot</m:t>
-                        </m:r>
-                      </m:fName>
-                      <m:e>
-                        <m:r>
-                          <a:rPr lang="en-GB" i="1">
-                            <a:latin typeface="Cambria Math" panose="02040503050406030204" pitchFamily="18" charset="0"/>
-                          </a:rPr>
-                          <m:t>𝜃</m:t>
-                        </m:r>
-                      </m:e>
-                    </m:func>
-                    <m:r>
-                      <a:rPr lang="en-GB" i="1">
-                        <a:latin typeface="Cambria Math" panose="02040503050406030204" pitchFamily="18" charset="0"/>
-                      </a:rPr>
-                      <m:t>=</m:t>
-                    </m:r>
-                    <m:f>
-                      <m:fPr>
-                        <m:ctrlPr>
-                          <a:rPr lang="en-GB" i="1">
-                            <a:latin typeface="Cambria Math" panose="02040503050406030204" pitchFamily="18" charset="0"/>
-                          </a:rPr>
-                        </m:ctrlPr>
-                      </m:fPr>
-                      <m:num>
-                        <m:r>
-                          <a:rPr lang="en-GB" i="1">
-                            <a:latin typeface="Cambria Math" panose="02040503050406030204" pitchFamily="18" charset="0"/>
-                          </a:rPr>
-                          <m:t>1</m:t>
-                        </m:r>
-                      </m:num>
-                      <m:den>
-                        <m:func>
-                          <m:funcPr>
-                            <m:ctrlPr>
-                              <a:rPr lang="en-GB" i="1">
-                                <a:latin typeface="Cambria Math" panose="02040503050406030204" pitchFamily="18" charset="0"/>
-                              </a:rPr>
-                            </m:ctrlPr>
-                          </m:funcPr>
-                          <m:fName>
-                            <m:r>
-                              <m:rPr>
-                                <m:sty m:val="p"/>
-                              </m:rPr>
-                              <a:rPr lang="en-GB" b="0" i="0" smtClean="0">
-                                <a:latin typeface="Cambria Math" panose="02040503050406030204" pitchFamily="18" charset="0"/>
-                              </a:rPr>
-                              <m:t>tan</m:t>
-                            </m:r>
-                          </m:fName>
-                          <m:e>
-                            <m:r>
-                              <a:rPr lang="en-GB" i="1">
-                                <a:latin typeface="Cambria Math" panose="02040503050406030204" pitchFamily="18" charset="0"/>
-                              </a:rPr>
-                              <m:t>𝜃</m:t>
-                            </m:r>
-                          </m:e>
-                        </m:func>
-                      </m:den>
-                    </m:f>
-                  </m:oMath>
-                </a14:m>
-                <a:endParaRPr lang="en-GB" dirty="0"/>
-              </a:p>
-            </p:txBody>
-          </p:sp>
-        </mc:Choice>
-        <mc:Fallback xmlns="">
-          <p:sp>
-            <p:nvSpPr>
-              <p:cNvPr id="3" name="Content Placeholder 2">
-                <a:extLst>
-                  <a:ext uri="{FF2B5EF4-FFF2-40B4-BE49-F238E27FC236}">
-                    <a16:creationId xmlns:a16="http://schemas.microsoft.com/office/drawing/2014/main" id="{6EB2E389-4DF2-45B4-B6B0-2E2BA6ABCF70}"/>
-                  </a:ext>
-                </a:extLst>
-              </p:cNvPr>
-              <p:cNvSpPr>
-                <a:spLocks noGrp="1" noRot="1" noChangeAspect="1" noMove="1" noResize="1" noEditPoints="1" noAdjustHandles="1" noChangeArrowheads="1" noChangeShapeType="1" noTextEdit="1"/>
-              </p:cNvSpPr>
-              <p:nvPr>
-                <p:ph idx="1"/>
-              </p:nvPr>
-            </p:nvSpPr>
-            <p:spPr>
-              <a:blipFill>
-                <a:blip r:embed="rId2"/>
-                <a:stretch>
-                  <a:fillRect l="-2000"/>
-                </a:stretch>
-              </a:blipFill>
-            </p:spPr>
-            <p:txBody>
-              <a:bodyPr/>
-              <a:lstStyle/>
-              <a:p>
-                <a:r>
-                  <a:rPr lang="en-GB">
-                    <a:noFill/>
-                  </a:rPr>
-                  <a:t> </a:t>
-                </a:r>
-              </a:p>
-            </p:txBody>
-          </p:sp>
-        </mc:Fallback>
-      </mc:AlternateContent>
-    </p:spTree>
-    <p:extLst>
-      <p:ext uri="{BB962C8B-B14F-4D97-AF65-F5344CB8AC3E}">
-        <p14:creationId xmlns:p14="http://schemas.microsoft.com/office/powerpoint/2010/main" val="4134631948"/>
-      </p:ext>
-    </p:extLst>
-  </p:cSld>
-  <p:clrMapOvr>
-    <a:masterClrMapping/>
-  </p:clrMapOvr>
-  <p:timing>
-    <p:tnLst>
-      <p:par>
-        <p:cTn id="1" dur="indefinite" restart="never" nodeType="tmRoot">
-          <p:childTnLst>
-            <p:seq concurrent="1" nextAc="seek">
-              <p:cTn id="2" dur="indefinite" nodeType="mainSeq">
-                <p:childTnLst>
-                  <p:par>
-                    <p:cTn id="3" fill="hold">
-                      <p:stCondLst>
-                        <p:cond delay="indefinite"/>
-                      </p:stCondLst>
-                      <p:childTnLst>
-                        <p:par>
-                          <p:cTn id="4" fill="hold">
-                            <p:stCondLst>
-                              <p:cond delay="0"/>
-                            </p:stCondLst>
-                            <p:childTnLst>
-                              <p:par>
-                                <p:cTn id="5" presetID="1" presetClass="entr" presetSubtype="0" fill="hold" grpId="0" nodeType="clickEffect">
-                                  <p:stCondLst>
-                                    <p:cond delay="0"/>
-                                  </p:stCondLst>
-                                  <p:childTnLst>
-                                    <p:set>
-                                      <p:cBhvr>
-                                        <p:cTn id="6" dur="1" fill="hold">
-                                          <p:stCondLst>
-                                            <p:cond delay="0"/>
-                                          </p:stCondLst>
-                                        </p:cTn>
-                                        <p:tgtEl>
-                                          <p:spTgt spid="3">
-                                            <p:txEl>
-                                              <p:pRg st="0" end="0"/>
-                                            </p:txEl>
-                                          </p:spTgt>
-                                        </p:tgtEl>
-                                        <p:attrNameLst>
-                                          <p:attrName>style.visibility</p:attrName>
-                                        </p:attrNameLst>
-                                      </p:cBhvr>
-                                      <p:to>
-                                        <p:strVal val="visible"/>
-                                      </p:to>
-                                    </p:set>
-                                  </p:childTnLst>
-                                </p:cTn>
-                              </p:par>
-                            </p:childTnLst>
-                          </p:cTn>
-                        </p:par>
-                      </p:childTnLst>
-                    </p:cTn>
-                  </p:par>
-                  <p:par>
-                    <p:cTn id="7" fill="hold">
-                      <p:stCondLst>
-                        <p:cond delay="indefinite"/>
-                      </p:stCondLst>
-                      <p:childTnLst>
-                        <p:par>
-                          <p:cTn id="8" fill="hold">
-                            <p:stCondLst>
-                              <p:cond delay="0"/>
-                            </p:stCondLst>
-                            <p:childTnLst>
-                              <p:par>
-                                <p:cTn id="9" presetID="1" presetClass="entr" presetSubtype="0" fill="hold" grpId="0" nodeType="clickEffect">
-                                  <p:stCondLst>
-                                    <p:cond delay="0"/>
-                                  </p:stCondLst>
-                                  <p:childTnLst>
-                                    <p:set>
-                                      <p:cBhvr>
-                                        <p:cTn id="10" dur="1" fill="hold">
-                                          <p:stCondLst>
-                                            <p:cond delay="0"/>
-                                          </p:stCondLst>
-                                        </p:cTn>
-                                        <p:tgtEl>
-                                          <p:spTgt spid="3">
-                                            <p:txEl>
-                                              <p:pRg st="1" end="1"/>
-                                            </p:txEl>
-                                          </p:spTgt>
-                                        </p:tgtEl>
-                                        <p:attrNameLst>
-                                          <p:attrName>style.visibility</p:attrName>
-                                        </p:attrNameLst>
-                                      </p:cBhvr>
-                                      <p:to>
-                                        <p:strVal val="visible"/>
-                                      </p:to>
-                                    </p:set>
-                                  </p:childTnLst>
-                                </p:cTn>
-                              </p:par>
-                            </p:childTnLst>
-                          </p:cTn>
-                        </p:par>
-                      </p:childTnLst>
-                    </p:cTn>
-                  </p:par>
-                  <p:par>
-                    <p:cTn id="11" fill="hold">
-                      <p:stCondLst>
-                        <p:cond delay="indefinite"/>
-                      </p:stCondLst>
-                      <p:childTnLst>
-                        <p:par>
-                          <p:cTn id="12" fill="hold">
-                            <p:stCondLst>
-                              <p:cond delay="0"/>
-                            </p:stCondLst>
-                            <p:childTnLst>
-                              <p:par>
-                                <p:cTn id="13" presetID="1" presetClass="entr" presetSubtype="0" fill="hold" grpId="0" nodeType="clickEffect">
-                                  <p:stCondLst>
-                                    <p:cond delay="0"/>
-                                  </p:stCondLst>
-                                  <p:childTnLst>
-                                    <p:set>
-                                      <p:cBhvr>
-                                        <p:cTn id="14" dur="1" fill="hold">
-                                          <p:stCondLst>
-                                            <p:cond delay="0"/>
-                                          </p:stCondLst>
-                                        </p:cTn>
-                                        <p:tgtEl>
-                                          <p:spTgt spid="3">
-                                            <p:txEl>
-                                              <p:pRg st="2" end="2"/>
-                                            </p:txEl>
-                                          </p:spTgt>
-                                        </p:tgtEl>
-                                        <p:attrNameLst>
-                                          <p:attrName>style.visibility</p:attrName>
-                                        </p:attrNameLst>
-                                      </p:cBhvr>
-                                      <p:to>
-                                        <p:strVal val="visible"/>
-                                      </p:to>
-                                    </p:set>
-                                  </p:childTnLst>
-                                </p:cTn>
-                              </p:par>
-                            </p:childTnLst>
-                          </p:cTn>
-                        </p:par>
-                      </p:childTnLst>
-                    </p:cTn>
-                  </p:par>
-                </p:childTnLst>
-              </p:cTn>
-              <p:prevCondLst>
-                <p:cond evt="onPrev" delay="0">
-                  <p:tgtEl>
-                    <p:sldTgt/>
-                  </p:tgtEl>
-                </p:cond>
-              </p:prevCondLst>
-              <p:nextCondLst>
-                <p:cond evt="onNext" delay="0">
-                  <p:tgtEl>
-                    <p:sldTgt/>
-                  </p:tgtEl>
-                </p:cond>
-              </p:nextCondLst>
-            </p:seq>
-          </p:childTnLst>
-        </p:cTn>
-      </p:par>
-    </p:tnLst>
-    <p:bldLst>
-      <p:bldP spid="3" grpId="0" build="p"/>
-    </p:bldLst>
-  </p:timing>
-</p:sld>
-</file>
-
-<file path=ppt/slides/slide5.xml><?xml version="1.0" encoding="utf-8"?>
 <p:sld xmlns:a="http://schemas.openxmlformats.org/drawingml/2006/main" xmlns:r="http://schemas.openxmlformats.org/officeDocument/2006/relationships" xmlns:p="http://schemas.openxmlformats.org/presentationml/2006/main">
   <p:cSld>
     <p:spTree>
@@ -22744,7 +20816,7 @@
 </p:sld>
 </file>
 
-<file path=ppt/slides/slide6.xml><?xml version="1.0" encoding="utf-8"?>
+<file path=ppt/slides/slide5.xml><?xml version="1.0" encoding="utf-8"?>
 <p:sld xmlns:a="http://schemas.openxmlformats.org/drawingml/2006/main" xmlns:r="http://schemas.openxmlformats.org/officeDocument/2006/relationships" xmlns:p="http://schemas.openxmlformats.org/presentationml/2006/main">
   <p:cSld>
     <p:spTree>
@@ -24136,7 +22208,7 @@
 </p:sld>
 </file>
 
-<file path=ppt/slides/slide7.xml><?xml version="1.0" encoding="utf-8"?>
+<file path=ppt/slides/slide6.xml><?xml version="1.0" encoding="utf-8"?>
 <p:sld xmlns:a="http://schemas.openxmlformats.org/drawingml/2006/main" xmlns:r="http://schemas.openxmlformats.org/officeDocument/2006/relationships" xmlns:p="http://schemas.openxmlformats.org/presentationml/2006/main">
   <p:cSld>
     <p:bg>
@@ -24526,7 +22598,7 @@
 </p:sld>
 </file>
 
-<file path=ppt/slides/slide8.xml><?xml version="1.0" encoding="utf-8"?>
+<file path=ppt/slides/slide7.xml><?xml version="1.0" encoding="utf-8"?>
 <p:sld xmlns:a="http://schemas.openxmlformats.org/drawingml/2006/main" xmlns:r="http://schemas.openxmlformats.org/officeDocument/2006/relationships" xmlns:p="http://schemas.openxmlformats.org/presentationml/2006/main">
   <p:cSld>
     <p:spTree>
@@ -25208,7 +23280,7 @@
 </p:sld>
 </file>
 
-<file path=ppt/slides/slide9.xml><?xml version="1.0" encoding="utf-8"?>
+<file path=ppt/slides/slide8.xml><?xml version="1.0" encoding="utf-8"?>
 <p:sld xmlns:a="http://schemas.openxmlformats.org/drawingml/2006/main" xmlns:r="http://schemas.openxmlformats.org/officeDocument/2006/relationships" xmlns:p="http://schemas.openxmlformats.org/presentationml/2006/main">
   <p:cSld>
     <p:spTree>
@@ -25709,6 +23781,788 @@
 </p:sld>
 </file>
 
+<file path=ppt/slides/slide9.xml><?xml version="1.0" encoding="utf-8"?>
+<p:sld xmlns:a="http://schemas.openxmlformats.org/drawingml/2006/main" xmlns:r="http://schemas.openxmlformats.org/officeDocument/2006/relationships" xmlns:p="http://schemas.openxmlformats.org/presentationml/2006/main">
+  <p:cSld>
+    <p:spTree>
+      <p:nvGrpSpPr>
+        <p:cNvPr id="1" name=""/>
+        <p:cNvGrpSpPr/>
+        <p:nvPr/>
+      </p:nvGrpSpPr>
+      <p:grpSpPr>
+        <a:xfrm>
+          <a:off x="0" y="0"/>
+          <a:ext cx="0" cy="0"/>
+          <a:chOff x="0" y="0"/>
+          <a:chExt cx="0" cy="0"/>
+        </a:xfrm>
+      </p:grpSpPr>
+      <p:sp>
+        <p:nvSpPr>
+          <p:cNvPr id="2" name="Title 1">
+            <a:extLst>
+              <a:ext uri="{FF2B5EF4-FFF2-40B4-BE49-F238E27FC236}">
+                <a16:creationId xmlns:a16="http://schemas.microsoft.com/office/drawing/2014/main" id="{4F906A3E-89C3-49B0-BC02-6BD26CC2E5DC}"/>
+              </a:ext>
+            </a:extLst>
+          </p:cNvPr>
+          <p:cNvSpPr>
+            <a:spLocks noGrp="1"/>
+          </p:cNvSpPr>
+          <p:nvPr>
+            <p:ph type="title"/>
+          </p:nvPr>
+        </p:nvSpPr>
+        <p:spPr/>
+        <p:txBody>
+          <a:bodyPr/>
+          <a:lstStyle/>
+          <a:p>
+            <a:r>
+              <a:rPr lang="en-GB" dirty="0"/>
+              <a:t>Derivatives: example</a:t>
+            </a:r>
+          </a:p>
+        </p:txBody>
+      </p:sp>
+      <mc:AlternateContent xmlns:mc="http://schemas.openxmlformats.org/markup-compatibility/2006" xmlns:a14="http://schemas.microsoft.com/office/drawing/2010/main">
+        <mc:Choice Requires="a14">
+          <p:sp>
+            <p:nvSpPr>
+              <p:cNvPr id="3" name="Content Placeholder 2">
+                <a:extLst>
+                  <a:ext uri="{FF2B5EF4-FFF2-40B4-BE49-F238E27FC236}">
+                    <a16:creationId xmlns:a16="http://schemas.microsoft.com/office/drawing/2014/main" id="{5EEDF04D-8AFD-4A1E-99E1-78F53854B046}"/>
+                  </a:ext>
+                </a:extLst>
+              </p:cNvPr>
+              <p:cNvSpPr>
+                <a:spLocks noGrp="1"/>
+              </p:cNvSpPr>
+              <p:nvPr>
+                <p:ph idx="1"/>
+              </p:nvPr>
+            </p:nvSpPr>
+            <p:spPr>
+              <a:xfrm>
+                <a:off x="1097280" y="2108201"/>
+                <a:ext cx="10058400" cy="4141597"/>
+              </a:xfrm>
+            </p:spPr>
+            <p:txBody>
+              <a:bodyPr>
+                <a:normAutofit fontScale="92500" lnSpcReduction="20000"/>
+              </a:bodyPr>
+              <a:lstStyle/>
+              <a:p>
+                <a:r>
+                  <a:rPr lang="en-GB" dirty="0"/>
+                  <a:t>A car drives along a straight road at a constant speed</a:t>
+                </a:r>
+              </a:p>
+              <a:p>
+                <a:r>
+                  <a:rPr lang="en-GB" dirty="0"/>
+                  <a:t>In half an hour, it covers a distance of 20 miles</a:t>
+                </a:r>
+              </a:p>
+              <a:p>
+                <a:r>
+                  <a:rPr lang="en-GB" dirty="0"/>
+                  <a:t>Its speed (which we know is constant) is </a:t>
+                </a:r>
+                <a14:m>
+                  <m:oMath xmlns:m="http://schemas.openxmlformats.org/officeDocument/2006/math">
+                    <m:f>
+                      <m:fPr>
+                        <m:ctrlPr>
+                          <a:rPr lang="en-GB" i="1" smtClean="0">
+                            <a:latin typeface="Cambria Math" panose="02040503050406030204" pitchFamily="18" charset="0"/>
+                          </a:rPr>
+                        </m:ctrlPr>
+                      </m:fPr>
+                      <m:num>
+                        <m:r>
+                          <m:rPr>
+                            <m:nor/>
+                          </m:rPr>
+                          <a:rPr lang="en-GB" b="0" i="0" smtClean="0">
+                            <a:latin typeface="Cambria Math" panose="02040503050406030204" pitchFamily="18" charset="0"/>
+                          </a:rPr>
+                          <m:t>20 </m:t>
+                        </m:r>
+                        <m:r>
+                          <m:rPr>
+                            <m:nor/>
+                          </m:rPr>
+                          <a:rPr lang="en-GB" b="0" i="0" smtClean="0">
+                            <a:latin typeface="Cambria Math" panose="02040503050406030204" pitchFamily="18" charset="0"/>
+                          </a:rPr>
+                          <m:t>miles</m:t>
+                        </m:r>
+                      </m:num>
+                      <m:den>
+                        <m:r>
+                          <m:rPr>
+                            <m:nor/>
+                          </m:rPr>
+                          <a:rPr lang="en-GB" b="0" i="0" smtClean="0">
+                            <a:latin typeface="Cambria Math" panose="02040503050406030204" pitchFamily="18" charset="0"/>
+                          </a:rPr>
+                          <m:t>0.5 </m:t>
+                        </m:r>
+                        <m:r>
+                          <m:rPr>
+                            <m:nor/>
+                          </m:rPr>
+                          <a:rPr lang="en-GB" b="0" i="0" smtClean="0">
+                            <a:latin typeface="Cambria Math" panose="02040503050406030204" pitchFamily="18" charset="0"/>
+                          </a:rPr>
+                          <m:t>hours</m:t>
+                        </m:r>
+                      </m:den>
+                    </m:f>
+                    <m:r>
+                      <m:rPr>
+                        <m:nor/>
+                      </m:rPr>
+                      <a:rPr lang="en-GB" b="0" i="0" smtClean="0">
+                        <a:latin typeface="Cambria Math" panose="02040503050406030204" pitchFamily="18" charset="0"/>
+                      </a:rPr>
+                      <m:t> = 40 </m:t>
+                    </m:r>
+                    <m:r>
+                      <m:rPr>
+                        <m:nor/>
+                      </m:rPr>
+                      <a:rPr lang="en-GB" b="0" i="0" smtClean="0">
+                        <a:latin typeface="Cambria Math" panose="02040503050406030204" pitchFamily="18" charset="0"/>
+                      </a:rPr>
+                      <m:t>miles</m:t>
+                    </m:r>
+                    <m:r>
+                      <m:rPr>
+                        <m:nor/>
+                      </m:rPr>
+                      <a:rPr lang="en-GB" b="0" i="0" smtClean="0">
+                        <a:latin typeface="Cambria Math" panose="02040503050406030204" pitchFamily="18" charset="0"/>
+                      </a:rPr>
+                      <m:t> </m:t>
+                    </m:r>
+                    <m:r>
+                      <m:rPr>
+                        <m:nor/>
+                      </m:rPr>
+                      <a:rPr lang="en-GB" b="0" i="0" smtClean="0">
+                        <a:latin typeface="Cambria Math" panose="02040503050406030204" pitchFamily="18" charset="0"/>
+                      </a:rPr>
+                      <m:t>per</m:t>
+                    </m:r>
+                    <m:r>
+                      <m:rPr>
+                        <m:nor/>
+                      </m:rPr>
+                      <a:rPr lang="en-GB" b="0" i="0" smtClean="0">
+                        <a:latin typeface="Cambria Math" panose="02040503050406030204" pitchFamily="18" charset="0"/>
+                      </a:rPr>
+                      <m:t> </m:t>
+                    </m:r>
+                    <m:r>
+                      <m:rPr>
+                        <m:nor/>
+                      </m:rPr>
+                      <a:rPr lang="en-GB" b="0" i="0" smtClean="0">
+                        <a:latin typeface="Cambria Math" panose="02040503050406030204" pitchFamily="18" charset="0"/>
+                      </a:rPr>
+                      <m:t>hour</m:t>
+                    </m:r>
+                  </m:oMath>
+                </a14:m>
+                <a:endParaRPr lang="en-GB" dirty="0"/>
+              </a:p>
+              <a:p>
+                <a:r>
+                  <a:rPr lang="en-GB" dirty="0"/>
+                  <a:t>In other words…</a:t>
+                </a:r>
+              </a:p>
+              <a:p>
+                <a:pPr marL="714375" lvl="1"/>
+                <a:r>
+                  <a:rPr lang="en-GB" dirty="0"/>
+                  <a:t>“Distance travelled” is a quantity varying with time</a:t>
+                </a:r>
+              </a:p>
+              <a:p>
+                <a:pPr marL="714375" lvl="1"/>
+                <a:r>
+                  <a:rPr lang="en-GB" dirty="0"/>
+                  <a:t>We call the rate of change (the derivative) of this quantity “speed”</a:t>
+                </a:r>
+              </a:p>
+              <a:p>
+                <a:pPr marL="714375" lvl="1"/>
+                <a:r>
+                  <a:rPr lang="en-GB" dirty="0"/>
+                  <a:t>If </a:t>
+                </a:r>
+                <a14:m>
+                  <m:oMath xmlns:m="http://schemas.openxmlformats.org/officeDocument/2006/math">
+                    <m:r>
+                      <a:rPr lang="en-GB" b="0" i="1" smtClean="0">
+                        <a:latin typeface="Cambria Math" panose="02040503050406030204" pitchFamily="18" charset="0"/>
+                      </a:rPr>
+                      <m:t>𝑥</m:t>
+                    </m:r>
+                  </m:oMath>
+                </a14:m>
+                <a:r>
+                  <a:rPr lang="en-GB" dirty="0"/>
+                  <a:t> is distance travelled and </a:t>
+                </a:r>
+                <a14:m>
+                  <m:oMath xmlns:m="http://schemas.openxmlformats.org/officeDocument/2006/math">
+                    <m:r>
+                      <a:rPr lang="en-GB" b="0" i="1" smtClean="0">
+                        <a:latin typeface="Cambria Math" panose="02040503050406030204" pitchFamily="18" charset="0"/>
+                      </a:rPr>
+                      <m:t>𝑡</m:t>
+                    </m:r>
+                  </m:oMath>
+                </a14:m>
+                <a:r>
+                  <a:rPr lang="en-GB" dirty="0"/>
+                  <a:t> is time, then</a:t>
+                </a:r>
+                <a:br>
+                  <a:rPr lang="en-GB" dirty="0"/>
+                </a:br>
+                <a:br>
+                  <a:rPr lang="en-GB" dirty="0"/>
+                </a:br>
+                <a14:m>
+                  <m:oMath xmlns:m="http://schemas.openxmlformats.org/officeDocument/2006/math">
+                    <m:f>
+                      <m:fPr>
+                        <m:ctrlPr>
+                          <a:rPr lang="en-GB" i="1" smtClean="0">
+                            <a:latin typeface="Cambria Math" panose="02040503050406030204" pitchFamily="18" charset="0"/>
+                          </a:rPr>
+                        </m:ctrlPr>
+                      </m:fPr>
+                      <m:num>
+                        <m:r>
+                          <m:rPr>
+                            <m:sty m:val="p"/>
+                          </m:rPr>
+                          <a:rPr lang="en-GB" b="0" i="0" smtClean="0">
+                            <a:latin typeface="Cambria Math" panose="02040503050406030204" pitchFamily="18" charset="0"/>
+                          </a:rPr>
+                          <m:t>d</m:t>
+                        </m:r>
+                        <m:r>
+                          <a:rPr lang="en-GB" b="0" i="1" smtClean="0">
+                            <a:latin typeface="Cambria Math" panose="02040503050406030204" pitchFamily="18" charset="0"/>
+                          </a:rPr>
+                          <m:t>𝑥</m:t>
+                        </m:r>
+                      </m:num>
+                      <m:den>
+                        <m:r>
+                          <m:rPr>
+                            <m:sty m:val="p"/>
+                          </m:rPr>
+                          <a:rPr lang="en-GB" b="0" i="0" smtClean="0">
+                            <a:latin typeface="Cambria Math" panose="02040503050406030204" pitchFamily="18" charset="0"/>
+                          </a:rPr>
+                          <m:t>d</m:t>
+                        </m:r>
+                        <m:r>
+                          <a:rPr lang="en-GB" b="0" i="1" smtClean="0">
+                            <a:latin typeface="Cambria Math" panose="02040503050406030204" pitchFamily="18" charset="0"/>
+                          </a:rPr>
+                          <m:t>𝑡</m:t>
+                        </m:r>
+                      </m:den>
+                    </m:f>
+                    <m:r>
+                      <a:rPr lang="en-GB" b="0" i="1" smtClean="0">
+                        <a:latin typeface="Cambria Math" panose="02040503050406030204" pitchFamily="18" charset="0"/>
+                      </a:rPr>
+                      <m:t>=</m:t>
+                    </m:r>
+                    <m:f>
+                      <m:fPr>
+                        <m:ctrlPr>
+                          <a:rPr lang="en-GB" b="0" i="1" smtClean="0">
+                            <a:latin typeface="Cambria Math" panose="02040503050406030204" pitchFamily="18" charset="0"/>
+                          </a:rPr>
+                        </m:ctrlPr>
+                      </m:fPr>
+                      <m:num>
+                        <m:r>
+                          <a:rPr lang="en-GB" b="0" i="1" smtClean="0">
+                            <a:latin typeface="Cambria Math" panose="02040503050406030204" pitchFamily="18" charset="0"/>
+                          </a:rPr>
+                          <m:t>20</m:t>
+                        </m:r>
+                      </m:num>
+                      <m:den>
+                        <m:r>
+                          <a:rPr lang="en-GB" b="0" i="1" smtClean="0">
+                            <a:latin typeface="Cambria Math" panose="02040503050406030204" pitchFamily="18" charset="0"/>
+                          </a:rPr>
+                          <m:t>0.5</m:t>
+                        </m:r>
+                      </m:den>
+                    </m:f>
+                    <m:r>
+                      <a:rPr lang="en-GB" b="0" i="1" smtClean="0">
+                        <a:latin typeface="Cambria Math" panose="02040503050406030204" pitchFamily="18" charset="0"/>
+                      </a:rPr>
+                      <m:t>=40</m:t>
+                    </m:r>
+                  </m:oMath>
+                </a14:m>
+                <a:endParaRPr lang="en-GB" dirty="0"/>
+              </a:p>
+            </p:txBody>
+          </p:sp>
+        </mc:Choice>
+        <mc:Fallback xmlns="">
+          <p:sp>
+            <p:nvSpPr>
+              <p:cNvPr id="3" name="Content Placeholder 2">
+                <a:extLst>
+                  <a:ext uri="{FF2B5EF4-FFF2-40B4-BE49-F238E27FC236}">
+                    <a16:creationId xmlns:a16="http://schemas.microsoft.com/office/drawing/2014/main" id="{5EEDF04D-8AFD-4A1E-99E1-78F53854B046}"/>
+                  </a:ext>
+                </a:extLst>
+              </p:cNvPr>
+              <p:cNvSpPr>
+                <a:spLocks noGrp="1" noRot="1" noChangeAspect="1" noMove="1" noResize="1" noEditPoints="1" noAdjustHandles="1" noChangeArrowheads="1" noChangeShapeType="1" noTextEdit="1"/>
+              </p:cNvSpPr>
+              <p:nvPr>
+                <p:ph idx="1"/>
+              </p:nvPr>
+            </p:nvSpPr>
+            <p:spPr>
+              <a:xfrm>
+                <a:off x="1097280" y="2108201"/>
+                <a:ext cx="10058400" cy="4141597"/>
+              </a:xfrm>
+              <a:blipFill>
+                <a:blip r:embed="rId2"/>
+                <a:stretch>
+                  <a:fillRect l="-1818" t="-2946"/>
+                </a:stretch>
+              </a:blipFill>
+            </p:spPr>
+            <p:txBody>
+              <a:bodyPr/>
+              <a:lstStyle/>
+              <a:p>
+                <a:r>
+                  <a:rPr lang="en-GB">
+                    <a:noFill/>
+                  </a:rPr>
+                  <a:t> </a:t>
+                </a:r>
+              </a:p>
+            </p:txBody>
+          </p:sp>
+        </mc:Fallback>
+      </mc:AlternateContent>
+    </p:spTree>
+    <p:extLst>
+      <p:ext uri="{BB962C8B-B14F-4D97-AF65-F5344CB8AC3E}">
+        <p14:creationId xmlns:p14="http://schemas.microsoft.com/office/powerpoint/2010/main" val="201084746"/>
+      </p:ext>
+    </p:extLst>
+  </p:cSld>
+  <p:clrMapOvr>
+    <a:masterClrMapping/>
+  </p:clrMapOvr>
+  <p:timing>
+    <p:tnLst>
+      <p:par>
+        <p:cTn id="1" dur="indefinite" restart="never" nodeType="tmRoot">
+          <p:childTnLst>
+            <p:seq concurrent="1" nextAc="seek">
+              <p:cTn id="2" dur="indefinite" nodeType="mainSeq">
+                <p:childTnLst>
+                  <p:par>
+                    <p:cTn id="3" fill="hold">
+                      <p:stCondLst>
+                        <p:cond delay="indefinite"/>
+                      </p:stCondLst>
+                      <p:childTnLst>
+                        <p:par>
+                          <p:cTn id="4" fill="hold">
+                            <p:stCondLst>
+                              <p:cond delay="0"/>
+                            </p:stCondLst>
+                            <p:childTnLst>
+                              <p:par>
+                                <p:cTn id="5" presetID="1" presetClass="entr" presetSubtype="0" fill="hold" grpId="0" nodeType="clickEffect">
+                                  <p:stCondLst>
+                                    <p:cond delay="0"/>
+                                  </p:stCondLst>
+                                  <p:childTnLst>
+                                    <p:set>
+                                      <p:cBhvr>
+                                        <p:cTn id="6" dur="1" fill="hold">
+                                          <p:stCondLst>
+                                            <p:cond delay="0"/>
+                                          </p:stCondLst>
+                                        </p:cTn>
+                                        <p:tgtEl>
+                                          <p:spTgt spid="3">
+                                            <p:txEl>
+                                              <p:pRg st="0" end="0"/>
+                                            </p:txEl>
+                                          </p:spTgt>
+                                        </p:tgtEl>
+                                        <p:attrNameLst>
+                                          <p:attrName>style.visibility</p:attrName>
+                                        </p:attrNameLst>
+                                      </p:cBhvr>
+                                      <p:to>
+                                        <p:strVal val="visible"/>
+                                      </p:to>
+                                    </p:set>
+                                  </p:childTnLst>
+                                </p:cTn>
+                              </p:par>
+                            </p:childTnLst>
+                          </p:cTn>
+                        </p:par>
+                      </p:childTnLst>
+                    </p:cTn>
+                  </p:par>
+                  <p:par>
+                    <p:cTn id="7" fill="hold">
+                      <p:stCondLst>
+                        <p:cond delay="indefinite"/>
+                      </p:stCondLst>
+                      <p:childTnLst>
+                        <p:par>
+                          <p:cTn id="8" fill="hold">
+                            <p:stCondLst>
+                              <p:cond delay="0"/>
+                            </p:stCondLst>
+                            <p:childTnLst>
+                              <p:par>
+                                <p:cTn id="9" presetID="1" presetClass="entr" presetSubtype="0" fill="hold" grpId="0" nodeType="clickEffect">
+                                  <p:stCondLst>
+                                    <p:cond delay="0"/>
+                                  </p:stCondLst>
+                                  <p:childTnLst>
+                                    <p:set>
+                                      <p:cBhvr>
+                                        <p:cTn id="10" dur="1" fill="hold">
+                                          <p:stCondLst>
+                                            <p:cond delay="0"/>
+                                          </p:stCondLst>
+                                        </p:cTn>
+                                        <p:tgtEl>
+                                          <p:spTgt spid="3">
+                                            <p:txEl>
+                                              <p:pRg st="1" end="1"/>
+                                            </p:txEl>
+                                          </p:spTgt>
+                                        </p:tgtEl>
+                                        <p:attrNameLst>
+                                          <p:attrName>style.visibility</p:attrName>
+                                        </p:attrNameLst>
+                                      </p:cBhvr>
+                                      <p:to>
+                                        <p:strVal val="visible"/>
+                                      </p:to>
+                                    </p:set>
+                                  </p:childTnLst>
+                                </p:cTn>
+                              </p:par>
+                            </p:childTnLst>
+                          </p:cTn>
+                        </p:par>
+                      </p:childTnLst>
+                    </p:cTn>
+                  </p:par>
+                  <p:par>
+                    <p:cTn id="11" fill="hold">
+                      <p:stCondLst>
+                        <p:cond delay="indefinite"/>
+                      </p:stCondLst>
+                      <p:childTnLst>
+                        <p:par>
+                          <p:cTn id="12" fill="hold">
+                            <p:stCondLst>
+                              <p:cond delay="0"/>
+                            </p:stCondLst>
+                            <p:childTnLst>
+                              <p:par>
+                                <p:cTn id="13" presetID="1" presetClass="entr" presetSubtype="0" fill="hold" grpId="0" nodeType="clickEffect">
+                                  <p:stCondLst>
+                                    <p:cond delay="0"/>
+                                  </p:stCondLst>
+                                  <p:childTnLst>
+                                    <p:set>
+                                      <p:cBhvr>
+                                        <p:cTn id="14" dur="1" fill="hold">
+                                          <p:stCondLst>
+                                            <p:cond delay="0"/>
+                                          </p:stCondLst>
+                                        </p:cTn>
+                                        <p:tgtEl>
+                                          <p:spTgt spid="3">
+                                            <p:txEl>
+                                              <p:pRg st="2" end="2"/>
+                                            </p:txEl>
+                                          </p:spTgt>
+                                        </p:tgtEl>
+                                        <p:attrNameLst>
+                                          <p:attrName>style.visibility</p:attrName>
+                                        </p:attrNameLst>
+                                      </p:cBhvr>
+                                      <p:to>
+                                        <p:strVal val="visible"/>
+                                      </p:to>
+                                    </p:set>
+                                  </p:childTnLst>
+                                </p:cTn>
+                              </p:par>
+                            </p:childTnLst>
+                          </p:cTn>
+                        </p:par>
+                      </p:childTnLst>
+                    </p:cTn>
+                  </p:par>
+                  <p:par>
+                    <p:cTn id="15" fill="hold">
+                      <p:stCondLst>
+                        <p:cond delay="indefinite"/>
+                      </p:stCondLst>
+                      <p:childTnLst>
+                        <p:par>
+                          <p:cTn id="16" fill="hold">
+                            <p:stCondLst>
+                              <p:cond delay="0"/>
+                            </p:stCondLst>
+                            <p:childTnLst>
+                              <p:par>
+                                <p:cTn id="17" presetID="1" presetClass="entr" presetSubtype="0" fill="hold" grpId="0" nodeType="clickEffect">
+                                  <p:stCondLst>
+                                    <p:cond delay="0"/>
+                                  </p:stCondLst>
+                                  <p:childTnLst>
+                                    <p:set>
+                                      <p:cBhvr>
+                                        <p:cTn id="18" dur="1" fill="hold">
+                                          <p:stCondLst>
+                                            <p:cond delay="0"/>
+                                          </p:stCondLst>
+                                        </p:cTn>
+                                        <p:tgtEl>
+                                          <p:spTgt spid="3">
+                                            <p:txEl>
+                                              <p:pRg st="3" end="3"/>
+                                            </p:txEl>
+                                          </p:spTgt>
+                                        </p:tgtEl>
+                                        <p:attrNameLst>
+                                          <p:attrName>style.visibility</p:attrName>
+                                        </p:attrNameLst>
+                                      </p:cBhvr>
+                                      <p:to>
+                                        <p:strVal val="visible"/>
+                                      </p:to>
+                                    </p:set>
+                                  </p:childTnLst>
+                                </p:cTn>
+                              </p:par>
+                            </p:childTnLst>
+                          </p:cTn>
+                        </p:par>
+                      </p:childTnLst>
+                    </p:cTn>
+                  </p:par>
+                  <p:par>
+                    <p:cTn id="19" fill="hold">
+                      <p:stCondLst>
+                        <p:cond delay="indefinite"/>
+                      </p:stCondLst>
+                      <p:childTnLst>
+                        <p:par>
+                          <p:cTn id="20" fill="hold">
+                            <p:stCondLst>
+                              <p:cond delay="0"/>
+                            </p:stCondLst>
+                            <p:childTnLst>
+                              <p:par>
+                                <p:cTn id="21" presetID="1" presetClass="entr" presetSubtype="0" fill="hold" grpId="0" nodeType="clickEffect">
+                                  <p:stCondLst>
+                                    <p:cond delay="0"/>
+                                  </p:stCondLst>
+                                  <p:childTnLst>
+                                    <p:set>
+                                      <p:cBhvr>
+                                        <p:cTn id="22" dur="1" fill="hold">
+                                          <p:stCondLst>
+                                            <p:cond delay="0"/>
+                                          </p:stCondLst>
+                                        </p:cTn>
+                                        <p:tgtEl>
+                                          <p:spTgt spid="3">
+                                            <p:txEl>
+                                              <p:pRg st="4" end="4"/>
+                                            </p:txEl>
+                                          </p:spTgt>
+                                        </p:tgtEl>
+                                        <p:attrNameLst>
+                                          <p:attrName>style.visibility</p:attrName>
+                                        </p:attrNameLst>
+                                      </p:cBhvr>
+                                      <p:to>
+                                        <p:strVal val="visible"/>
+                                      </p:to>
+                                    </p:set>
+                                  </p:childTnLst>
+                                </p:cTn>
+                              </p:par>
+                            </p:childTnLst>
+                          </p:cTn>
+                        </p:par>
+                      </p:childTnLst>
+                    </p:cTn>
+                  </p:par>
+                  <p:par>
+                    <p:cTn id="23" fill="hold">
+                      <p:stCondLst>
+                        <p:cond delay="indefinite"/>
+                      </p:stCondLst>
+                      <p:childTnLst>
+                        <p:par>
+                          <p:cTn id="24" fill="hold">
+                            <p:stCondLst>
+                              <p:cond delay="0"/>
+                            </p:stCondLst>
+                            <p:childTnLst>
+                              <p:par>
+                                <p:cTn id="25" presetID="1" presetClass="entr" presetSubtype="0" fill="hold" grpId="0" nodeType="clickEffect">
+                                  <p:stCondLst>
+                                    <p:cond delay="0"/>
+                                  </p:stCondLst>
+                                  <p:childTnLst>
+                                    <p:set>
+                                      <p:cBhvr>
+                                        <p:cTn id="26" dur="1" fill="hold">
+                                          <p:stCondLst>
+                                            <p:cond delay="0"/>
+                                          </p:stCondLst>
+                                        </p:cTn>
+                                        <p:tgtEl>
+                                          <p:spTgt spid="3">
+                                            <p:txEl>
+                                              <p:pRg st="5" end="5"/>
+                                            </p:txEl>
+                                          </p:spTgt>
+                                        </p:tgtEl>
+                                        <p:attrNameLst>
+                                          <p:attrName>style.visibility</p:attrName>
+                                        </p:attrNameLst>
+                                      </p:cBhvr>
+                                      <p:to>
+                                        <p:strVal val="visible"/>
+                                      </p:to>
+                                    </p:set>
+                                  </p:childTnLst>
+                                </p:cTn>
+                              </p:par>
+                            </p:childTnLst>
+                          </p:cTn>
+                        </p:par>
+                      </p:childTnLst>
+                    </p:cTn>
+                  </p:par>
+                  <p:par>
+                    <p:cTn id="27" fill="hold">
+                      <p:stCondLst>
+                        <p:cond delay="indefinite"/>
+                      </p:stCondLst>
+                      <p:childTnLst>
+                        <p:par>
+                          <p:cTn id="28" fill="hold">
+                            <p:stCondLst>
+                              <p:cond delay="0"/>
+                            </p:stCondLst>
+                            <p:childTnLst>
+                              <p:par>
+                                <p:cTn id="29" presetID="1" presetClass="entr" presetSubtype="0" fill="hold" grpId="0" nodeType="clickEffect">
+                                  <p:stCondLst>
+                                    <p:cond delay="0"/>
+                                  </p:stCondLst>
+                                  <p:childTnLst>
+                                    <p:set>
+                                      <p:cBhvr>
+                                        <p:cTn id="30" dur="1" fill="hold">
+                                          <p:stCondLst>
+                                            <p:cond delay="0"/>
+                                          </p:stCondLst>
+                                        </p:cTn>
+                                        <p:tgtEl>
+                                          <p:spTgt spid="3">
+                                            <p:txEl>
+                                              <p:pRg st="6" end="6"/>
+                                            </p:txEl>
+                                          </p:spTgt>
+                                        </p:tgtEl>
+                                        <p:attrNameLst>
+                                          <p:attrName>style.visibility</p:attrName>
+                                        </p:attrNameLst>
+                                      </p:cBhvr>
+                                      <p:to>
+                                        <p:strVal val="visible"/>
+                                      </p:to>
+                                    </p:set>
+                                  </p:childTnLst>
+                                </p:cTn>
+                              </p:par>
+                            </p:childTnLst>
+                          </p:cTn>
+                        </p:par>
+                      </p:childTnLst>
+                    </p:cTn>
+                  </p:par>
+                </p:childTnLst>
+              </p:cTn>
+              <p:prevCondLst>
+                <p:cond evt="onPrev" delay="0">
+                  <p:tgtEl>
+                    <p:sldTgt/>
+                  </p:tgtEl>
+                </p:cond>
+              </p:prevCondLst>
+              <p:nextCondLst>
+                <p:cond evt="onNext" delay="0">
+                  <p:tgtEl>
+                    <p:sldTgt/>
+                  </p:tgtEl>
+                </p:cond>
+              </p:nextCondLst>
+            </p:seq>
+          </p:childTnLst>
+        </p:cTn>
+      </p:par>
+    </p:tnLst>
+    <p:bldLst>
+      <p:bldP spid="3" grpId="0" uiExpand="1" build="p"/>
+    </p:bldLst>
+  </p:timing>
+</p:sld>
+</file>
+
 <file path=ppt/theme/theme1.xml><?xml version="1.0" encoding="utf-8"?>
 <a:theme xmlns:a="http://schemas.openxmlformats.org/drawingml/2006/main" name="RetrospectVTI">
   <a:themeElements>
